--- a/picture/raw/picture.pptx
+++ b/picture/raw/picture.pptx
@@ -5,12 +5,15 @@
     <p:sldMasterId id="2147483648" r:id="rId1"/>
   </p:sldMasterIdLst>
   <p:notesMasterIdLst>
-    <p:notesMasterId r:id="rId5"/>
+    <p:notesMasterId r:id="rId8"/>
   </p:notesMasterIdLst>
   <p:sldIdLst>
     <p:sldId id="256" r:id="rId2"/>
     <p:sldId id="257" r:id="rId3"/>
     <p:sldId id="258" r:id="rId4"/>
+    <p:sldId id="259" r:id="rId5"/>
+    <p:sldId id="260" r:id="rId6"/>
+    <p:sldId id="261" r:id="rId7"/>
   </p:sldIdLst>
   <p:sldSz cx="12192000" cy="6858000"/>
   <p:notesSz cx="6858000" cy="9144000"/>
@@ -709,6 +712,258 @@
     <p:extLst>
       <p:ext uri="{BB962C8B-B14F-4D97-AF65-F5344CB8AC3E}">
         <p14:creationId xmlns:p14="http://schemas.microsoft.com/office/powerpoint/2010/main" val="3638587006"/>
+      </p:ext>
+    </p:extLst>
+  </p:cSld>
+  <p:clrMapOvr>
+    <a:masterClrMapping/>
+  </p:clrMapOvr>
+</p:notes>
+</file>
+
+<file path=ppt/notesSlides/notesSlide4.xml><?xml version="1.0" encoding="utf-8"?>
+<p:notes xmlns:a="http://schemas.openxmlformats.org/drawingml/2006/main" xmlns:r="http://schemas.openxmlformats.org/officeDocument/2006/relationships" xmlns:p="http://schemas.openxmlformats.org/presentationml/2006/main">
+  <p:cSld>
+    <p:spTree>
+      <p:nvGrpSpPr>
+        <p:cNvPr id="1" name=""/>
+        <p:cNvGrpSpPr/>
+        <p:nvPr/>
+      </p:nvGrpSpPr>
+      <p:grpSpPr>
+        <a:xfrm>
+          <a:off x="0" y="0"/>
+          <a:ext cx="0" cy="0"/>
+          <a:chOff x="0" y="0"/>
+          <a:chExt cx="0" cy="0"/>
+        </a:xfrm>
+      </p:grpSpPr>
+      <p:sp>
+        <p:nvSpPr>
+          <p:cNvPr id="2" name="幻灯片图像占位符 1"/>
+          <p:cNvSpPr>
+            <a:spLocks noGrp="1" noRot="1" noChangeAspect="1"/>
+          </p:cNvSpPr>
+          <p:nvPr>
+            <p:ph type="sldImg"/>
+          </p:nvPr>
+        </p:nvSpPr>
+        <p:spPr/>
+      </p:sp>
+      <p:sp>
+        <p:nvSpPr>
+          <p:cNvPr id="3" name="备注占位符 2"/>
+          <p:cNvSpPr>
+            <a:spLocks noGrp="1"/>
+          </p:cNvSpPr>
+          <p:nvPr>
+            <p:ph type="body" idx="1"/>
+          </p:nvPr>
+        </p:nvSpPr>
+        <p:spPr/>
+        <p:txBody>
+          <a:bodyPr/>
+          <a:lstStyle/>
+          <a:p>
+            <a:endParaRPr lang="zh-CN" altLang="en-US" dirty="0"/>
+          </a:p>
+        </p:txBody>
+      </p:sp>
+      <p:sp>
+        <p:nvSpPr>
+          <p:cNvPr id="4" name="灯片编号占位符 3"/>
+          <p:cNvSpPr>
+            <a:spLocks noGrp="1"/>
+          </p:cNvSpPr>
+          <p:nvPr>
+            <p:ph type="sldNum" sz="quarter" idx="5"/>
+          </p:nvPr>
+        </p:nvSpPr>
+        <p:spPr/>
+        <p:txBody>
+          <a:bodyPr/>
+          <a:lstStyle/>
+          <a:p>
+            <a:fld id="{2C8C613E-1259-4959-9758-9B2B8CF7B605}" type="slidenum">
+              <a:rPr lang="zh-CN" altLang="en-US" smtClean="0"/>
+              <a:t>4</a:t>
+            </a:fld>
+            <a:endParaRPr lang="zh-CN" altLang="en-US"/>
+          </a:p>
+        </p:txBody>
+      </p:sp>
+    </p:spTree>
+    <p:extLst>
+      <p:ext uri="{BB962C8B-B14F-4D97-AF65-F5344CB8AC3E}">
+        <p14:creationId xmlns:p14="http://schemas.microsoft.com/office/powerpoint/2010/main" val="2632363351"/>
+      </p:ext>
+    </p:extLst>
+  </p:cSld>
+  <p:clrMapOvr>
+    <a:masterClrMapping/>
+  </p:clrMapOvr>
+</p:notes>
+</file>
+
+<file path=ppt/notesSlides/notesSlide5.xml><?xml version="1.0" encoding="utf-8"?>
+<p:notes xmlns:a="http://schemas.openxmlformats.org/drawingml/2006/main" xmlns:r="http://schemas.openxmlformats.org/officeDocument/2006/relationships" xmlns:p="http://schemas.openxmlformats.org/presentationml/2006/main">
+  <p:cSld>
+    <p:spTree>
+      <p:nvGrpSpPr>
+        <p:cNvPr id="1" name=""/>
+        <p:cNvGrpSpPr/>
+        <p:nvPr/>
+      </p:nvGrpSpPr>
+      <p:grpSpPr>
+        <a:xfrm>
+          <a:off x="0" y="0"/>
+          <a:ext cx="0" cy="0"/>
+          <a:chOff x="0" y="0"/>
+          <a:chExt cx="0" cy="0"/>
+        </a:xfrm>
+      </p:grpSpPr>
+      <p:sp>
+        <p:nvSpPr>
+          <p:cNvPr id="2" name="幻灯片图像占位符 1"/>
+          <p:cNvSpPr>
+            <a:spLocks noGrp="1" noRot="1" noChangeAspect="1"/>
+          </p:cNvSpPr>
+          <p:nvPr>
+            <p:ph type="sldImg"/>
+          </p:nvPr>
+        </p:nvSpPr>
+        <p:spPr/>
+      </p:sp>
+      <p:sp>
+        <p:nvSpPr>
+          <p:cNvPr id="3" name="备注占位符 2"/>
+          <p:cNvSpPr>
+            <a:spLocks noGrp="1"/>
+          </p:cNvSpPr>
+          <p:nvPr>
+            <p:ph type="body" idx="1"/>
+          </p:nvPr>
+        </p:nvSpPr>
+        <p:spPr/>
+        <p:txBody>
+          <a:bodyPr/>
+          <a:lstStyle/>
+          <a:p>
+            <a:endParaRPr lang="zh-CN" altLang="en-US" dirty="0"/>
+          </a:p>
+        </p:txBody>
+      </p:sp>
+      <p:sp>
+        <p:nvSpPr>
+          <p:cNvPr id="4" name="灯片编号占位符 3"/>
+          <p:cNvSpPr>
+            <a:spLocks noGrp="1"/>
+          </p:cNvSpPr>
+          <p:nvPr>
+            <p:ph type="sldNum" sz="quarter" idx="5"/>
+          </p:nvPr>
+        </p:nvSpPr>
+        <p:spPr/>
+        <p:txBody>
+          <a:bodyPr/>
+          <a:lstStyle/>
+          <a:p>
+            <a:fld id="{2C8C613E-1259-4959-9758-9B2B8CF7B605}" type="slidenum">
+              <a:rPr lang="zh-CN" altLang="en-US" smtClean="0"/>
+              <a:t>5</a:t>
+            </a:fld>
+            <a:endParaRPr lang="zh-CN" altLang="en-US"/>
+          </a:p>
+        </p:txBody>
+      </p:sp>
+    </p:spTree>
+    <p:extLst>
+      <p:ext uri="{BB962C8B-B14F-4D97-AF65-F5344CB8AC3E}">
+        <p14:creationId xmlns:p14="http://schemas.microsoft.com/office/powerpoint/2010/main" val="3240634565"/>
+      </p:ext>
+    </p:extLst>
+  </p:cSld>
+  <p:clrMapOvr>
+    <a:masterClrMapping/>
+  </p:clrMapOvr>
+</p:notes>
+</file>
+
+<file path=ppt/notesSlides/notesSlide6.xml><?xml version="1.0" encoding="utf-8"?>
+<p:notes xmlns:a="http://schemas.openxmlformats.org/drawingml/2006/main" xmlns:r="http://schemas.openxmlformats.org/officeDocument/2006/relationships" xmlns:p="http://schemas.openxmlformats.org/presentationml/2006/main">
+  <p:cSld>
+    <p:spTree>
+      <p:nvGrpSpPr>
+        <p:cNvPr id="1" name=""/>
+        <p:cNvGrpSpPr/>
+        <p:nvPr/>
+      </p:nvGrpSpPr>
+      <p:grpSpPr>
+        <a:xfrm>
+          <a:off x="0" y="0"/>
+          <a:ext cx="0" cy="0"/>
+          <a:chOff x="0" y="0"/>
+          <a:chExt cx="0" cy="0"/>
+        </a:xfrm>
+      </p:grpSpPr>
+      <p:sp>
+        <p:nvSpPr>
+          <p:cNvPr id="2" name="幻灯片图像占位符 1"/>
+          <p:cNvSpPr>
+            <a:spLocks noGrp="1" noRot="1" noChangeAspect="1"/>
+          </p:cNvSpPr>
+          <p:nvPr>
+            <p:ph type="sldImg"/>
+          </p:nvPr>
+        </p:nvSpPr>
+        <p:spPr/>
+      </p:sp>
+      <p:sp>
+        <p:nvSpPr>
+          <p:cNvPr id="3" name="备注占位符 2"/>
+          <p:cNvSpPr>
+            <a:spLocks noGrp="1"/>
+          </p:cNvSpPr>
+          <p:nvPr>
+            <p:ph type="body" idx="1"/>
+          </p:nvPr>
+        </p:nvSpPr>
+        <p:spPr/>
+        <p:txBody>
+          <a:bodyPr/>
+          <a:lstStyle/>
+          <a:p>
+            <a:endParaRPr lang="zh-CN" altLang="en-US" dirty="0"/>
+          </a:p>
+        </p:txBody>
+      </p:sp>
+      <p:sp>
+        <p:nvSpPr>
+          <p:cNvPr id="4" name="灯片编号占位符 3"/>
+          <p:cNvSpPr>
+            <a:spLocks noGrp="1"/>
+          </p:cNvSpPr>
+          <p:nvPr>
+            <p:ph type="sldNum" sz="quarter" idx="5"/>
+          </p:nvPr>
+        </p:nvSpPr>
+        <p:spPr/>
+        <p:txBody>
+          <a:bodyPr/>
+          <a:lstStyle/>
+          <a:p>
+            <a:fld id="{2C8C613E-1259-4959-9758-9B2B8CF7B605}" type="slidenum">
+              <a:rPr lang="zh-CN" altLang="en-US" smtClean="0"/>
+              <a:t>6</a:t>
+            </a:fld>
+            <a:endParaRPr lang="zh-CN" altLang="en-US"/>
+          </a:p>
+        </p:txBody>
+      </p:sp>
+    </p:spTree>
+    <p:extLst>
+      <p:ext uri="{BB962C8B-B14F-4D97-AF65-F5344CB8AC3E}">
+        <p14:creationId xmlns:p14="http://schemas.microsoft.com/office/powerpoint/2010/main" val="36697263"/>
       </p:ext>
     </p:extLst>
   </p:cSld>
@@ -14413,6 +14668,3667 @@
 </p:sld>
 </file>
 
+<file path=ppt/slides/slide4.xml><?xml version="1.0" encoding="utf-8"?>
+<p:sld xmlns:a="http://schemas.openxmlformats.org/drawingml/2006/main" xmlns:r="http://schemas.openxmlformats.org/officeDocument/2006/relationships" xmlns:p="http://schemas.openxmlformats.org/presentationml/2006/main">
+  <p:cSld>
+    <p:spTree>
+      <p:nvGrpSpPr>
+        <p:cNvPr id="1" name=""/>
+        <p:cNvGrpSpPr/>
+        <p:nvPr/>
+      </p:nvGrpSpPr>
+      <p:grpSpPr>
+        <a:xfrm>
+          <a:off x="0" y="0"/>
+          <a:ext cx="0" cy="0"/>
+          <a:chOff x="0" y="0"/>
+          <a:chExt cx="0" cy="0"/>
+        </a:xfrm>
+      </p:grpSpPr>
+      <p:sp>
+        <p:nvSpPr>
+          <p:cNvPr id="2" name="文本框 1">
+            <a:extLst>
+              <a:ext uri="{FF2B5EF4-FFF2-40B4-BE49-F238E27FC236}">
+                <a16:creationId xmlns:a16="http://schemas.microsoft.com/office/drawing/2014/main" id="{F4D32593-6C9D-48A1-ADAA-164F345AB09C}"/>
+              </a:ext>
+            </a:extLst>
+          </p:cNvPr>
+          <p:cNvSpPr txBox="1"/>
+          <p:nvPr/>
+        </p:nvSpPr>
+        <p:spPr>
+          <a:xfrm>
+            <a:off x="0" y="18350"/>
+            <a:ext cx="12192000" cy="830997"/>
+          </a:xfrm>
+          <a:prstGeom prst="rect">
+            <a:avLst/>
+          </a:prstGeom>
+          <a:noFill/>
+        </p:spPr>
+        <p:txBody>
+          <a:bodyPr wrap="square" rtlCol="0">
+            <a:spAutoFit/>
+          </a:bodyPr>
+          <a:lstStyle/>
+          <a:p>
+            <a:r>
+              <a:rPr lang="zh-CN" altLang="en-US" sz="4800" dirty="0">
+                <a:latin typeface="微软雅黑" panose="020B0503020204020204" pitchFamily="34" charset="-122"/>
+                <a:ea typeface="微软雅黑" panose="020B0503020204020204" pitchFamily="34" charset="-122"/>
+              </a:rPr>
+              <a:t>变色</a:t>
+            </a:r>
+          </a:p>
+        </p:txBody>
+      </p:sp>
+      <p:sp>
+        <p:nvSpPr>
+          <p:cNvPr id="3" name="流程图: 接点 2">
+            <a:extLst>
+              <a:ext uri="{FF2B5EF4-FFF2-40B4-BE49-F238E27FC236}">
+                <a16:creationId xmlns:a16="http://schemas.microsoft.com/office/drawing/2014/main" id="{314C4B4A-987F-4786-9277-FFF3E2B507F1}"/>
+              </a:ext>
+            </a:extLst>
+          </p:cNvPr>
+          <p:cNvSpPr/>
+          <p:nvPr/>
+        </p:nvSpPr>
+        <p:spPr>
+          <a:xfrm>
+            <a:off x="2456873" y="2078182"/>
+            <a:ext cx="655781" cy="655781"/>
+          </a:xfrm>
+          <a:prstGeom prst="flowChartConnector">
+            <a:avLst/>
+          </a:prstGeom>
+          <a:solidFill>
+            <a:schemeClr val="tx1"/>
+          </a:solidFill>
+        </p:spPr>
+        <p:style>
+          <a:lnRef idx="2">
+            <a:schemeClr val="accent1">
+              <a:shade val="50000"/>
+            </a:schemeClr>
+          </a:lnRef>
+          <a:fillRef idx="1">
+            <a:schemeClr val="accent1"/>
+          </a:fillRef>
+          <a:effectRef idx="0">
+            <a:schemeClr val="accent1"/>
+          </a:effectRef>
+          <a:fontRef idx="minor">
+            <a:schemeClr val="lt1"/>
+          </a:fontRef>
+        </p:style>
+        <p:txBody>
+          <a:bodyPr rtlCol="0" anchor="ctr"/>
+          <a:lstStyle/>
+          <a:p>
+            <a:pPr algn="ctr"/>
+            <a:r>
+              <a:rPr lang="en-US" altLang="zh-CN" dirty="0"/>
+              <a:t>10</a:t>
+            </a:r>
+            <a:endParaRPr lang="zh-CN" altLang="en-US" dirty="0"/>
+          </a:p>
+        </p:txBody>
+      </p:sp>
+      <p:sp>
+        <p:nvSpPr>
+          <p:cNvPr id="93" name="流程图: 接点 92">
+            <a:extLst>
+              <a:ext uri="{FF2B5EF4-FFF2-40B4-BE49-F238E27FC236}">
+                <a16:creationId xmlns:a16="http://schemas.microsoft.com/office/drawing/2014/main" id="{5D616A6E-A8CA-4811-9567-0C827094A7AF}"/>
+              </a:ext>
+            </a:extLst>
+          </p:cNvPr>
+          <p:cNvSpPr/>
+          <p:nvPr/>
+        </p:nvSpPr>
+        <p:spPr>
+          <a:xfrm>
+            <a:off x="1801092" y="2979125"/>
+            <a:ext cx="655781" cy="655781"/>
+          </a:xfrm>
+          <a:prstGeom prst="flowChartConnector">
+            <a:avLst/>
+          </a:prstGeom>
+          <a:solidFill>
+            <a:srgbClr val="FF0000"/>
+          </a:solidFill>
+          <a:ln>
+            <a:solidFill>
+              <a:srgbClr val="FF0000"/>
+            </a:solidFill>
+          </a:ln>
+        </p:spPr>
+        <p:style>
+          <a:lnRef idx="2">
+            <a:schemeClr val="accent1">
+              <a:shade val="50000"/>
+            </a:schemeClr>
+          </a:lnRef>
+          <a:fillRef idx="1">
+            <a:schemeClr val="accent1"/>
+          </a:fillRef>
+          <a:effectRef idx="0">
+            <a:schemeClr val="accent1"/>
+          </a:effectRef>
+          <a:fontRef idx="minor">
+            <a:schemeClr val="lt1"/>
+          </a:fontRef>
+        </p:style>
+        <p:txBody>
+          <a:bodyPr rtlCol="0" anchor="ctr"/>
+          <a:lstStyle/>
+          <a:p>
+            <a:pPr algn="ctr"/>
+            <a:r>
+              <a:rPr lang="en-US" altLang="zh-CN" dirty="0"/>
+              <a:t>8</a:t>
+            </a:r>
+            <a:endParaRPr lang="zh-CN" altLang="en-US" dirty="0"/>
+          </a:p>
+        </p:txBody>
+      </p:sp>
+      <p:sp>
+        <p:nvSpPr>
+          <p:cNvPr id="95" name="流程图: 接点 94">
+            <a:extLst>
+              <a:ext uri="{FF2B5EF4-FFF2-40B4-BE49-F238E27FC236}">
+                <a16:creationId xmlns:a16="http://schemas.microsoft.com/office/drawing/2014/main" id="{E1FB6F61-F560-476B-91D7-A665E3A1898A}"/>
+              </a:ext>
+            </a:extLst>
+          </p:cNvPr>
+          <p:cNvSpPr/>
+          <p:nvPr/>
+        </p:nvSpPr>
+        <p:spPr>
+          <a:xfrm>
+            <a:off x="3112654" y="2979125"/>
+            <a:ext cx="655781" cy="655781"/>
+          </a:xfrm>
+          <a:prstGeom prst="flowChartConnector">
+            <a:avLst/>
+          </a:prstGeom>
+          <a:solidFill>
+            <a:srgbClr val="FF0000"/>
+          </a:solidFill>
+          <a:ln>
+            <a:solidFill>
+              <a:srgbClr val="FF0000"/>
+            </a:solidFill>
+          </a:ln>
+        </p:spPr>
+        <p:style>
+          <a:lnRef idx="2">
+            <a:schemeClr val="accent1">
+              <a:shade val="50000"/>
+            </a:schemeClr>
+          </a:lnRef>
+          <a:fillRef idx="1">
+            <a:schemeClr val="accent1"/>
+          </a:fillRef>
+          <a:effectRef idx="0">
+            <a:schemeClr val="accent1"/>
+          </a:effectRef>
+          <a:fontRef idx="minor">
+            <a:schemeClr val="lt1"/>
+          </a:fontRef>
+        </p:style>
+        <p:txBody>
+          <a:bodyPr rtlCol="0" anchor="ctr"/>
+          <a:lstStyle/>
+          <a:p>
+            <a:pPr algn="ctr"/>
+            <a:r>
+              <a:rPr lang="en-US" altLang="zh-CN" dirty="0"/>
+              <a:t>20</a:t>
+            </a:r>
+            <a:endParaRPr lang="zh-CN" altLang="en-US" dirty="0"/>
+          </a:p>
+        </p:txBody>
+      </p:sp>
+      <p:sp>
+        <p:nvSpPr>
+          <p:cNvPr id="114" name="流程图: 接点 113">
+            <a:extLst>
+              <a:ext uri="{FF2B5EF4-FFF2-40B4-BE49-F238E27FC236}">
+                <a16:creationId xmlns:a16="http://schemas.microsoft.com/office/drawing/2014/main" id="{23B93A17-4288-42E3-A582-1EDB566730DD}"/>
+              </a:ext>
+            </a:extLst>
+          </p:cNvPr>
+          <p:cNvSpPr/>
+          <p:nvPr/>
+        </p:nvSpPr>
+        <p:spPr>
+          <a:xfrm>
+            <a:off x="1145311" y="3934296"/>
+            <a:ext cx="655781" cy="655781"/>
+          </a:xfrm>
+          <a:prstGeom prst="flowChartConnector">
+            <a:avLst/>
+          </a:prstGeom>
+          <a:solidFill>
+            <a:srgbClr val="FF0000"/>
+          </a:solidFill>
+          <a:ln>
+            <a:solidFill>
+              <a:srgbClr val="FF0000"/>
+            </a:solidFill>
+          </a:ln>
+        </p:spPr>
+        <p:style>
+          <a:lnRef idx="2">
+            <a:schemeClr val="accent1">
+              <a:shade val="50000"/>
+            </a:schemeClr>
+          </a:lnRef>
+          <a:fillRef idx="1">
+            <a:schemeClr val="accent1"/>
+          </a:fillRef>
+          <a:effectRef idx="0">
+            <a:schemeClr val="accent1"/>
+          </a:effectRef>
+          <a:fontRef idx="minor">
+            <a:schemeClr val="lt1"/>
+          </a:fontRef>
+        </p:style>
+        <p:txBody>
+          <a:bodyPr rtlCol="0" anchor="ctr"/>
+          <a:lstStyle/>
+          <a:p>
+            <a:pPr algn="ctr"/>
+            <a:r>
+              <a:rPr lang="en-US" altLang="zh-CN" dirty="0"/>
+              <a:t>5</a:t>
+            </a:r>
+            <a:endParaRPr lang="zh-CN" altLang="en-US" dirty="0"/>
+          </a:p>
+        </p:txBody>
+      </p:sp>
+      <p:sp>
+        <p:nvSpPr>
+          <p:cNvPr id="4" name="文本框 3">
+            <a:extLst>
+              <a:ext uri="{FF2B5EF4-FFF2-40B4-BE49-F238E27FC236}">
+                <a16:creationId xmlns:a16="http://schemas.microsoft.com/office/drawing/2014/main" id="{9793307A-3E78-4FDE-8A9D-0E7F2C4E2FD8}"/>
+              </a:ext>
+            </a:extLst>
+          </p:cNvPr>
+          <p:cNvSpPr txBox="1"/>
+          <p:nvPr/>
+        </p:nvSpPr>
+        <p:spPr>
+          <a:xfrm>
+            <a:off x="618836" y="4810062"/>
+            <a:ext cx="2346037" cy="461665"/>
+          </a:xfrm>
+          <a:prstGeom prst="rect">
+            <a:avLst/>
+          </a:prstGeom>
+          <a:noFill/>
+        </p:spPr>
+        <p:txBody>
+          <a:bodyPr wrap="square" rtlCol="0">
+            <a:spAutoFit/>
+          </a:bodyPr>
+          <a:lstStyle/>
+          <a:p>
+            <a:r>
+              <a:rPr lang="zh-CN" altLang="en-US" sz="1200" dirty="0">
+                <a:latin typeface="微软雅黑" panose="020B0503020204020204" pitchFamily="34" charset="-122"/>
+                <a:ea typeface="微软雅黑" panose="020B0503020204020204" pitchFamily="34" charset="-122"/>
+              </a:rPr>
+              <a:t>新插入的节点为红色，违背规则</a:t>
+            </a:r>
+            <a:r>
+              <a:rPr lang="en-US" altLang="zh-CN" sz="1200" dirty="0">
+                <a:latin typeface="微软雅黑" panose="020B0503020204020204" pitchFamily="34" charset="-122"/>
+                <a:ea typeface="微软雅黑" panose="020B0503020204020204" pitchFamily="34" charset="-122"/>
+              </a:rPr>
+              <a:t>3</a:t>
+            </a:r>
+            <a:r>
+              <a:rPr lang="zh-CN" altLang="en-US" sz="1200" dirty="0">
+                <a:latin typeface="微软雅黑" panose="020B0503020204020204" pitchFamily="34" charset="-122"/>
+                <a:ea typeface="微软雅黑" panose="020B0503020204020204" pitchFamily="34" charset="-122"/>
+              </a:rPr>
+              <a:t>，变为黑色则违背规则</a:t>
+            </a:r>
+            <a:r>
+              <a:rPr lang="en-US" altLang="zh-CN" sz="1200" dirty="0">
+                <a:latin typeface="微软雅黑" panose="020B0503020204020204" pitchFamily="34" charset="-122"/>
+                <a:ea typeface="微软雅黑" panose="020B0503020204020204" pitchFamily="34" charset="-122"/>
+              </a:rPr>
+              <a:t>4</a:t>
+            </a:r>
+            <a:endParaRPr lang="zh-CN" altLang="en-US" sz="1200" dirty="0">
+              <a:latin typeface="微软雅黑" panose="020B0503020204020204" pitchFamily="34" charset="-122"/>
+              <a:ea typeface="微软雅黑" panose="020B0503020204020204" pitchFamily="34" charset="-122"/>
+            </a:endParaRPr>
+          </a:p>
+        </p:txBody>
+      </p:sp>
+      <p:cxnSp>
+        <p:nvCxnSpPr>
+          <p:cNvPr id="6" name="直接连接符 5">
+            <a:extLst>
+              <a:ext uri="{FF2B5EF4-FFF2-40B4-BE49-F238E27FC236}">
+                <a16:creationId xmlns:a16="http://schemas.microsoft.com/office/drawing/2014/main" id="{168D46F3-E234-48F5-BC7D-D907FEEA38D1}"/>
+              </a:ext>
+            </a:extLst>
+          </p:cNvPr>
+          <p:cNvCxnSpPr>
+            <a:stCxn id="3" idx="3"/>
+            <a:endCxn id="93" idx="0"/>
+          </p:cNvCxnSpPr>
+          <p:nvPr/>
+        </p:nvCxnSpPr>
+        <p:spPr>
+          <a:xfrm flipH="1">
+            <a:off x="2128983" y="2637926"/>
+            <a:ext cx="423927" cy="341199"/>
+          </a:xfrm>
+          <a:prstGeom prst="line">
+            <a:avLst/>
+          </a:prstGeom>
+        </p:spPr>
+        <p:style>
+          <a:lnRef idx="1">
+            <a:schemeClr val="dk1"/>
+          </a:lnRef>
+          <a:fillRef idx="0">
+            <a:schemeClr val="dk1"/>
+          </a:fillRef>
+          <a:effectRef idx="0">
+            <a:schemeClr val="dk1"/>
+          </a:effectRef>
+          <a:fontRef idx="minor">
+            <a:schemeClr val="tx1"/>
+          </a:fontRef>
+        </p:style>
+      </p:cxnSp>
+      <p:cxnSp>
+        <p:nvCxnSpPr>
+          <p:cNvPr id="118" name="直接连接符 117">
+            <a:extLst>
+              <a:ext uri="{FF2B5EF4-FFF2-40B4-BE49-F238E27FC236}">
+                <a16:creationId xmlns:a16="http://schemas.microsoft.com/office/drawing/2014/main" id="{CE1EBC31-E3B1-4438-AACD-3F3E0892083C}"/>
+              </a:ext>
+            </a:extLst>
+          </p:cNvPr>
+          <p:cNvCxnSpPr>
+            <a:cxnSpLocks/>
+            <a:stCxn id="3" idx="5"/>
+            <a:endCxn id="95" idx="0"/>
+          </p:cNvCxnSpPr>
+          <p:nvPr/>
+        </p:nvCxnSpPr>
+        <p:spPr>
+          <a:xfrm>
+            <a:off x="3016617" y="2637926"/>
+            <a:ext cx="423928" cy="341199"/>
+          </a:xfrm>
+          <a:prstGeom prst="line">
+            <a:avLst/>
+          </a:prstGeom>
+        </p:spPr>
+        <p:style>
+          <a:lnRef idx="1">
+            <a:schemeClr val="dk1"/>
+          </a:lnRef>
+          <a:fillRef idx="0">
+            <a:schemeClr val="dk1"/>
+          </a:fillRef>
+          <a:effectRef idx="0">
+            <a:schemeClr val="dk1"/>
+          </a:effectRef>
+          <a:fontRef idx="minor">
+            <a:schemeClr val="tx1"/>
+          </a:fontRef>
+        </p:style>
+      </p:cxnSp>
+      <p:cxnSp>
+        <p:nvCxnSpPr>
+          <p:cNvPr id="121" name="直接连接符 120">
+            <a:extLst>
+              <a:ext uri="{FF2B5EF4-FFF2-40B4-BE49-F238E27FC236}">
+                <a16:creationId xmlns:a16="http://schemas.microsoft.com/office/drawing/2014/main" id="{FDFD34E5-B786-4B50-AE5B-DBA14D2A9C54}"/>
+              </a:ext>
+            </a:extLst>
+          </p:cNvPr>
+          <p:cNvCxnSpPr>
+            <a:cxnSpLocks/>
+            <a:stCxn id="93" idx="3"/>
+            <a:endCxn id="114" idx="0"/>
+          </p:cNvCxnSpPr>
+          <p:nvPr/>
+        </p:nvCxnSpPr>
+        <p:spPr>
+          <a:xfrm flipH="1">
+            <a:off x="1473202" y="3538869"/>
+            <a:ext cx="423927" cy="395427"/>
+          </a:xfrm>
+          <a:prstGeom prst="line">
+            <a:avLst/>
+          </a:prstGeom>
+        </p:spPr>
+        <p:style>
+          <a:lnRef idx="1">
+            <a:schemeClr val="dk1"/>
+          </a:lnRef>
+          <a:fillRef idx="0">
+            <a:schemeClr val="dk1"/>
+          </a:fillRef>
+          <a:effectRef idx="0">
+            <a:schemeClr val="dk1"/>
+          </a:effectRef>
+          <a:fontRef idx="minor">
+            <a:schemeClr val="tx1"/>
+          </a:fontRef>
+        </p:style>
+      </p:cxnSp>
+      <p:sp>
+        <p:nvSpPr>
+          <p:cNvPr id="11" name="矩形 10">
+            <a:extLst>
+              <a:ext uri="{FF2B5EF4-FFF2-40B4-BE49-F238E27FC236}">
+                <a16:creationId xmlns:a16="http://schemas.microsoft.com/office/drawing/2014/main" id="{ED8C3EB9-2AE1-4A12-B9C0-555E428FC822}"/>
+              </a:ext>
+            </a:extLst>
+          </p:cNvPr>
+          <p:cNvSpPr/>
+          <p:nvPr/>
+        </p:nvSpPr>
+        <p:spPr>
+          <a:xfrm>
+            <a:off x="4307821" y="3703462"/>
+            <a:ext cx="2572328" cy="461665"/>
+          </a:xfrm>
+          <a:prstGeom prst="rect">
+            <a:avLst/>
+          </a:prstGeom>
+        </p:spPr>
+        <p:txBody>
+          <a:bodyPr wrap="square">
+            <a:spAutoFit/>
+          </a:bodyPr>
+          <a:lstStyle/>
+          <a:p>
+            <a:r>
+              <a:rPr lang="zh-CN" altLang="en-US" sz="1200" dirty="0">
+                <a:latin typeface="微软雅黑" panose="020B0503020204020204" pitchFamily="34" charset="-122"/>
+                <a:ea typeface="微软雅黑" panose="020B0503020204020204" pitchFamily="34" charset="-122"/>
+              </a:rPr>
+              <a:t>此时则</a:t>
+            </a:r>
+            <a:r>
+              <a:rPr lang="zh-CN" altLang="zh-CN" sz="1200" dirty="0">
+                <a:latin typeface="微软雅黑" panose="020B0503020204020204" pitchFamily="34" charset="-122"/>
+                <a:ea typeface="微软雅黑" panose="020B0503020204020204" pitchFamily="34" charset="-122"/>
+              </a:rPr>
+              <a:t>将其父节点颜色改为黑色，父节点的兄弟节点颜色也改为黑色</a:t>
+            </a:r>
+            <a:endParaRPr lang="zh-CN" altLang="en-US" sz="1200" dirty="0">
+              <a:latin typeface="微软雅黑" panose="020B0503020204020204" pitchFamily="34" charset="-122"/>
+              <a:ea typeface="微软雅黑" panose="020B0503020204020204" pitchFamily="34" charset="-122"/>
+            </a:endParaRPr>
+          </a:p>
+        </p:txBody>
+      </p:sp>
+      <p:sp>
+        <p:nvSpPr>
+          <p:cNvPr id="122" name="矩形 121">
+            <a:extLst>
+              <a:ext uri="{FF2B5EF4-FFF2-40B4-BE49-F238E27FC236}">
+                <a16:creationId xmlns:a16="http://schemas.microsoft.com/office/drawing/2014/main" id="{B59FEE7E-E781-4BAB-8517-A1B649C92A40}"/>
+              </a:ext>
+            </a:extLst>
+          </p:cNvPr>
+          <p:cNvSpPr/>
+          <p:nvPr/>
+        </p:nvSpPr>
+        <p:spPr>
+          <a:xfrm>
+            <a:off x="3440544" y="2137905"/>
+            <a:ext cx="1842183" cy="276999"/>
+          </a:xfrm>
+          <a:prstGeom prst="rect">
+            <a:avLst/>
+          </a:prstGeom>
+        </p:spPr>
+        <p:txBody>
+          <a:bodyPr wrap="square">
+            <a:spAutoFit/>
+          </a:bodyPr>
+          <a:lstStyle/>
+          <a:p>
+            <a:r>
+              <a:rPr lang="zh-CN" altLang="en-US" sz="1200" dirty="0">
+                <a:latin typeface="微软雅黑" panose="020B0503020204020204" pitchFamily="34" charset="-122"/>
+                <a:ea typeface="微软雅黑" panose="020B0503020204020204" pitchFamily="34" charset="-122"/>
+              </a:rPr>
+              <a:t>根节点总是个黑色的</a:t>
+            </a:r>
+          </a:p>
+        </p:txBody>
+      </p:sp>
+      <p:cxnSp>
+        <p:nvCxnSpPr>
+          <p:cNvPr id="13" name="直接箭头连接符 12">
+            <a:extLst>
+              <a:ext uri="{FF2B5EF4-FFF2-40B4-BE49-F238E27FC236}">
+                <a16:creationId xmlns:a16="http://schemas.microsoft.com/office/drawing/2014/main" id="{F1C3D197-C7E0-45E5-8BC4-422963B1F377}"/>
+              </a:ext>
+            </a:extLst>
+          </p:cNvPr>
+          <p:cNvCxnSpPr>
+            <a:cxnSpLocks/>
+          </p:cNvCxnSpPr>
+          <p:nvPr/>
+        </p:nvCxnSpPr>
+        <p:spPr>
+          <a:xfrm>
+            <a:off x="4414982" y="3307015"/>
+            <a:ext cx="2022763" cy="0"/>
+          </a:xfrm>
+          <a:prstGeom prst="straightConnector1">
+            <a:avLst/>
+          </a:prstGeom>
+          <a:ln>
+            <a:tailEnd type="triangle"/>
+          </a:ln>
+        </p:spPr>
+        <p:style>
+          <a:lnRef idx="3">
+            <a:schemeClr val="dk1"/>
+          </a:lnRef>
+          <a:fillRef idx="0">
+            <a:schemeClr val="dk1"/>
+          </a:fillRef>
+          <a:effectRef idx="2">
+            <a:schemeClr val="dk1"/>
+          </a:effectRef>
+          <a:fontRef idx="minor">
+            <a:schemeClr val="tx1"/>
+          </a:fontRef>
+        </p:style>
+      </p:cxnSp>
+      <p:sp>
+        <p:nvSpPr>
+          <p:cNvPr id="125" name="流程图: 接点 124">
+            <a:extLst>
+              <a:ext uri="{FF2B5EF4-FFF2-40B4-BE49-F238E27FC236}">
+                <a16:creationId xmlns:a16="http://schemas.microsoft.com/office/drawing/2014/main" id="{42F55E55-4946-4D6A-B1E9-2537913CB571}"/>
+              </a:ext>
+            </a:extLst>
+          </p:cNvPr>
+          <p:cNvSpPr/>
+          <p:nvPr/>
+        </p:nvSpPr>
+        <p:spPr>
+          <a:xfrm>
+            <a:off x="8317346" y="2078181"/>
+            <a:ext cx="655781" cy="655781"/>
+          </a:xfrm>
+          <a:prstGeom prst="flowChartConnector">
+            <a:avLst/>
+          </a:prstGeom>
+          <a:solidFill>
+            <a:schemeClr val="tx1"/>
+          </a:solidFill>
+        </p:spPr>
+        <p:style>
+          <a:lnRef idx="2">
+            <a:schemeClr val="accent1">
+              <a:shade val="50000"/>
+            </a:schemeClr>
+          </a:lnRef>
+          <a:fillRef idx="1">
+            <a:schemeClr val="accent1"/>
+          </a:fillRef>
+          <a:effectRef idx="0">
+            <a:schemeClr val="accent1"/>
+          </a:effectRef>
+          <a:fontRef idx="minor">
+            <a:schemeClr val="lt1"/>
+          </a:fontRef>
+        </p:style>
+        <p:txBody>
+          <a:bodyPr rtlCol="0" anchor="ctr"/>
+          <a:lstStyle/>
+          <a:p>
+            <a:pPr algn="ctr"/>
+            <a:r>
+              <a:rPr lang="en-US" altLang="zh-CN" dirty="0"/>
+              <a:t>10</a:t>
+            </a:r>
+            <a:endParaRPr lang="zh-CN" altLang="en-US" dirty="0"/>
+          </a:p>
+        </p:txBody>
+      </p:sp>
+      <p:sp>
+        <p:nvSpPr>
+          <p:cNvPr id="127" name="流程图: 接点 126">
+            <a:extLst>
+              <a:ext uri="{FF2B5EF4-FFF2-40B4-BE49-F238E27FC236}">
+                <a16:creationId xmlns:a16="http://schemas.microsoft.com/office/drawing/2014/main" id="{F224F4AF-5072-4419-9CBE-BE6E73A70E30}"/>
+              </a:ext>
+            </a:extLst>
+          </p:cNvPr>
+          <p:cNvSpPr/>
+          <p:nvPr/>
+        </p:nvSpPr>
+        <p:spPr>
+          <a:xfrm>
+            <a:off x="7661565" y="2979124"/>
+            <a:ext cx="655781" cy="655781"/>
+          </a:xfrm>
+          <a:prstGeom prst="flowChartConnector">
+            <a:avLst/>
+          </a:prstGeom>
+          <a:solidFill>
+            <a:schemeClr val="tx1"/>
+          </a:solidFill>
+          <a:ln>
+            <a:solidFill>
+              <a:schemeClr val="tx1"/>
+            </a:solidFill>
+          </a:ln>
+        </p:spPr>
+        <p:style>
+          <a:lnRef idx="2">
+            <a:schemeClr val="accent1">
+              <a:shade val="50000"/>
+            </a:schemeClr>
+          </a:lnRef>
+          <a:fillRef idx="1">
+            <a:schemeClr val="accent1"/>
+          </a:fillRef>
+          <a:effectRef idx="0">
+            <a:schemeClr val="accent1"/>
+          </a:effectRef>
+          <a:fontRef idx="minor">
+            <a:schemeClr val="lt1"/>
+          </a:fontRef>
+        </p:style>
+        <p:txBody>
+          <a:bodyPr rtlCol="0" anchor="ctr"/>
+          <a:lstStyle/>
+          <a:p>
+            <a:pPr algn="ctr"/>
+            <a:r>
+              <a:rPr lang="en-US" altLang="zh-CN" dirty="0"/>
+              <a:t>8</a:t>
+            </a:r>
+            <a:endParaRPr lang="zh-CN" altLang="en-US" dirty="0"/>
+          </a:p>
+        </p:txBody>
+      </p:sp>
+      <p:sp>
+        <p:nvSpPr>
+          <p:cNvPr id="129" name="流程图: 接点 128">
+            <a:extLst>
+              <a:ext uri="{FF2B5EF4-FFF2-40B4-BE49-F238E27FC236}">
+                <a16:creationId xmlns:a16="http://schemas.microsoft.com/office/drawing/2014/main" id="{02A8F14F-CAA3-4F8A-BA8F-0D6B834F72AB}"/>
+              </a:ext>
+            </a:extLst>
+          </p:cNvPr>
+          <p:cNvSpPr/>
+          <p:nvPr/>
+        </p:nvSpPr>
+        <p:spPr>
+          <a:xfrm>
+            <a:off x="8973127" y="2979124"/>
+            <a:ext cx="655781" cy="655781"/>
+          </a:xfrm>
+          <a:prstGeom prst="flowChartConnector">
+            <a:avLst/>
+          </a:prstGeom>
+          <a:solidFill>
+            <a:schemeClr val="tx1"/>
+          </a:solidFill>
+          <a:ln>
+            <a:solidFill>
+              <a:schemeClr val="tx1"/>
+            </a:solidFill>
+          </a:ln>
+        </p:spPr>
+        <p:style>
+          <a:lnRef idx="2">
+            <a:schemeClr val="accent1">
+              <a:shade val="50000"/>
+            </a:schemeClr>
+          </a:lnRef>
+          <a:fillRef idx="1">
+            <a:schemeClr val="accent1"/>
+          </a:fillRef>
+          <a:effectRef idx="0">
+            <a:schemeClr val="accent1"/>
+          </a:effectRef>
+          <a:fontRef idx="minor">
+            <a:schemeClr val="lt1"/>
+          </a:fontRef>
+        </p:style>
+        <p:txBody>
+          <a:bodyPr rtlCol="0" anchor="ctr"/>
+          <a:lstStyle/>
+          <a:p>
+            <a:pPr algn="ctr"/>
+            <a:r>
+              <a:rPr lang="en-US" altLang="zh-CN" dirty="0"/>
+              <a:t>20</a:t>
+            </a:r>
+            <a:endParaRPr lang="zh-CN" altLang="en-US" dirty="0"/>
+          </a:p>
+        </p:txBody>
+      </p:sp>
+      <p:sp>
+        <p:nvSpPr>
+          <p:cNvPr id="130" name="流程图: 接点 129">
+            <a:extLst>
+              <a:ext uri="{FF2B5EF4-FFF2-40B4-BE49-F238E27FC236}">
+                <a16:creationId xmlns:a16="http://schemas.microsoft.com/office/drawing/2014/main" id="{5531F7FC-928F-4B65-BA8D-4BC7A8209EF1}"/>
+              </a:ext>
+            </a:extLst>
+          </p:cNvPr>
+          <p:cNvSpPr/>
+          <p:nvPr/>
+        </p:nvSpPr>
+        <p:spPr>
+          <a:xfrm>
+            <a:off x="7005784" y="3934295"/>
+            <a:ext cx="655781" cy="655781"/>
+          </a:xfrm>
+          <a:prstGeom prst="flowChartConnector">
+            <a:avLst/>
+          </a:prstGeom>
+          <a:solidFill>
+            <a:srgbClr val="FF0000"/>
+          </a:solidFill>
+          <a:ln>
+            <a:solidFill>
+              <a:srgbClr val="FF0000"/>
+            </a:solidFill>
+          </a:ln>
+        </p:spPr>
+        <p:style>
+          <a:lnRef idx="2">
+            <a:schemeClr val="accent1">
+              <a:shade val="50000"/>
+            </a:schemeClr>
+          </a:lnRef>
+          <a:fillRef idx="1">
+            <a:schemeClr val="accent1"/>
+          </a:fillRef>
+          <a:effectRef idx="0">
+            <a:schemeClr val="accent1"/>
+          </a:effectRef>
+          <a:fontRef idx="minor">
+            <a:schemeClr val="lt1"/>
+          </a:fontRef>
+        </p:style>
+        <p:txBody>
+          <a:bodyPr rtlCol="0" anchor="ctr"/>
+          <a:lstStyle/>
+          <a:p>
+            <a:pPr algn="ctr"/>
+            <a:r>
+              <a:rPr lang="en-US" altLang="zh-CN" dirty="0"/>
+              <a:t>5</a:t>
+            </a:r>
+            <a:endParaRPr lang="zh-CN" altLang="en-US" dirty="0"/>
+          </a:p>
+        </p:txBody>
+      </p:sp>
+      <p:cxnSp>
+        <p:nvCxnSpPr>
+          <p:cNvPr id="132" name="直接连接符 131">
+            <a:extLst>
+              <a:ext uri="{FF2B5EF4-FFF2-40B4-BE49-F238E27FC236}">
+                <a16:creationId xmlns:a16="http://schemas.microsoft.com/office/drawing/2014/main" id="{EAD4899E-B594-4F49-82EB-53CA4EA8BE1D}"/>
+              </a:ext>
+            </a:extLst>
+          </p:cNvPr>
+          <p:cNvCxnSpPr>
+            <a:stCxn id="125" idx="3"/>
+            <a:endCxn id="127" idx="0"/>
+          </p:cNvCxnSpPr>
+          <p:nvPr/>
+        </p:nvCxnSpPr>
+        <p:spPr>
+          <a:xfrm flipH="1">
+            <a:off x="7989456" y="2637925"/>
+            <a:ext cx="423927" cy="341199"/>
+          </a:xfrm>
+          <a:prstGeom prst="line">
+            <a:avLst/>
+          </a:prstGeom>
+        </p:spPr>
+        <p:style>
+          <a:lnRef idx="1">
+            <a:schemeClr val="dk1"/>
+          </a:lnRef>
+          <a:fillRef idx="0">
+            <a:schemeClr val="dk1"/>
+          </a:fillRef>
+          <a:effectRef idx="0">
+            <a:schemeClr val="dk1"/>
+          </a:effectRef>
+          <a:fontRef idx="minor">
+            <a:schemeClr val="tx1"/>
+          </a:fontRef>
+        </p:style>
+      </p:cxnSp>
+      <p:cxnSp>
+        <p:nvCxnSpPr>
+          <p:cNvPr id="133" name="直接连接符 132">
+            <a:extLst>
+              <a:ext uri="{FF2B5EF4-FFF2-40B4-BE49-F238E27FC236}">
+                <a16:creationId xmlns:a16="http://schemas.microsoft.com/office/drawing/2014/main" id="{F0FB352A-9722-44F7-B843-C3E8A5C9955D}"/>
+              </a:ext>
+            </a:extLst>
+          </p:cNvPr>
+          <p:cNvCxnSpPr>
+            <a:cxnSpLocks/>
+            <a:stCxn id="125" idx="5"/>
+            <a:endCxn id="129" idx="0"/>
+          </p:cNvCxnSpPr>
+          <p:nvPr/>
+        </p:nvCxnSpPr>
+        <p:spPr>
+          <a:xfrm>
+            <a:off x="8877090" y="2637925"/>
+            <a:ext cx="423928" cy="341199"/>
+          </a:xfrm>
+          <a:prstGeom prst="line">
+            <a:avLst/>
+          </a:prstGeom>
+        </p:spPr>
+        <p:style>
+          <a:lnRef idx="1">
+            <a:schemeClr val="dk1"/>
+          </a:lnRef>
+          <a:fillRef idx="0">
+            <a:schemeClr val="dk1"/>
+          </a:fillRef>
+          <a:effectRef idx="0">
+            <a:schemeClr val="dk1"/>
+          </a:effectRef>
+          <a:fontRef idx="minor">
+            <a:schemeClr val="tx1"/>
+          </a:fontRef>
+        </p:style>
+      </p:cxnSp>
+      <p:cxnSp>
+        <p:nvCxnSpPr>
+          <p:cNvPr id="134" name="直接连接符 133">
+            <a:extLst>
+              <a:ext uri="{FF2B5EF4-FFF2-40B4-BE49-F238E27FC236}">
+                <a16:creationId xmlns:a16="http://schemas.microsoft.com/office/drawing/2014/main" id="{5316859F-F41D-47DA-96E7-90BBD9D259AA}"/>
+              </a:ext>
+            </a:extLst>
+          </p:cNvPr>
+          <p:cNvCxnSpPr>
+            <a:cxnSpLocks/>
+            <a:stCxn id="127" idx="3"/>
+            <a:endCxn id="130" idx="0"/>
+          </p:cNvCxnSpPr>
+          <p:nvPr/>
+        </p:nvCxnSpPr>
+        <p:spPr>
+          <a:xfrm flipH="1">
+            <a:off x="7333675" y="3538868"/>
+            <a:ext cx="423927" cy="395427"/>
+          </a:xfrm>
+          <a:prstGeom prst="line">
+            <a:avLst/>
+          </a:prstGeom>
+        </p:spPr>
+        <p:style>
+          <a:lnRef idx="1">
+            <a:schemeClr val="dk1"/>
+          </a:lnRef>
+          <a:fillRef idx="0">
+            <a:schemeClr val="dk1"/>
+          </a:fillRef>
+          <a:effectRef idx="0">
+            <a:schemeClr val="dk1"/>
+          </a:effectRef>
+          <a:fontRef idx="minor">
+            <a:schemeClr val="tx1"/>
+          </a:fontRef>
+        </p:style>
+      </p:cxnSp>
+    </p:spTree>
+    <p:extLst>
+      <p:ext uri="{BB962C8B-B14F-4D97-AF65-F5344CB8AC3E}">
+        <p14:creationId xmlns:p14="http://schemas.microsoft.com/office/powerpoint/2010/main" val="3402703443"/>
+      </p:ext>
+    </p:extLst>
+  </p:cSld>
+  <p:clrMapOvr>
+    <a:masterClrMapping/>
+  </p:clrMapOvr>
+</p:sld>
+</file>
+
+<file path=ppt/slides/slide5.xml><?xml version="1.0" encoding="utf-8"?>
+<p:sld xmlns:a="http://schemas.openxmlformats.org/drawingml/2006/main" xmlns:r="http://schemas.openxmlformats.org/officeDocument/2006/relationships" xmlns:p="http://schemas.openxmlformats.org/presentationml/2006/main">
+  <p:cSld>
+    <p:spTree>
+      <p:nvGrpSpPr>
+        <p:cNvPr id="1" name=""/>
+        <p:cNvGrpSpPr/>
+        <p:nvPr/>
+      </p:nvGrpSpPr>
+      <p:grpSpPr>
+        <a:xfrm>
+          <a:off x="0" y="0"/>
+          <a:ext cx="0" cy="0"/>
+          <a:chOff x="0" y="0"/>
+          <a:chExt cx="0" cy="0"/>
+        </a:xfrm>
+      </p:grpSpPr>
+      <p:sp>
+        <p:nvSpPr>
+          <p:cNvPr id="2" name="文本框 1">
+            <a:extLst>
+              <a:ext uri="{FF2B5EF4-FFF2-40B4-BE49-F238E27FC236}">
+                <a16:creationId xmlns:a16="http://schemas.microsoft.com/office/drawing/2014/main" id="{F4D32593-6C9D-48A1-ADAA-164F345AB09C}"/>
+              </a:ext>
+            </a:extLst>
+          </p:cNvPr>
+          <p:cNvSpPr txBox="1"/>
+          <p:nvPr/>
+        </p:nvSpPr>
+        <p:spPr>
+          <a:xfrm>
+            <a:off x="0" y="18350"/>
+            <a:ext cx="12192000" cy="830997"/>
+          </a:xfrm>
+          <a:prstGeom prst="rect">
+            <a:avLst/>
+          </a:prstGeom>
+          <a:noFill/>
+        </p:spPr>
+        <p:txBody>
+          <a:bodyPr wrap="square" rtlCol="0">
+            <a:spAutoFit/>
+          </a:bodyPr>
+          <a:lstStyle/>
+          <a:p>
+            <a:r>
+              <a:rPr lang="zh-CN" altLang="en-US" sz="4800" dirty="0">
+                <a:latin typeface="微软雅黑" panose="020B0503020204020204" pitchFamily="34" charset="-122"/>
+                <a:ea typeface="微软雅黑" panose="020B0503020204020204" pitchFamily="34" charset="-122"/>
+              </a:rPr>
+              <a:t>左旋</a:t>
+            </a:r>
+          </a:p>
+        </p:txBody>
+      </p:sp>
+      <p:grpSp>
+        <p:nvGrpSpPr>
+          <p:cNvPr id="27" name="组合 26">
+            <a:extLst>
+              <a:ext uri="{FF2B5EF4-FFF2-40B4-BE49-F238E27FC236}">
+                <a16:creationId xmlns:a16="http://schemas.microsoft.com/office/drawing/2014/main" id="{47AA1373-6DC6-4AFB-9176-4AE9EF47250F}"/>
+              </a:ext>
+            </a:extLst>
+          </p:cNvPr>
+          <p:cNvGrpSpPr/>
+          <p:nvPr/>
+        </p:nvGrpSpPr>
+        <p:grpSpPr>
+          <a:xfrm>
+            <a:off x="1110674" y="1634836"/>
+            <a:ext cx="2623125" cy="3592643"/>
+            <a:chOff x="942108" y="1634836"/>
+            <a:chExt cx="2623125" cy="3592643"/>
+          </a:xfrm>
+        </p:grpSpPr>
+        <p:sp>
+          <p:nvSpPr>
+            <p:cNvPr id="3" name="流程图: 接点 2">
+              <a:extLst>
+                <a:ext uri="{FF2B5EF4-FFF2-40B4-BE49-F238E27FC236}">
+                  <a16:creationId xmlns:a16="http://schemas.microsoft.com/office/drawing/2014/main" id="{314C4B4A-987F-4786-9277-FFF3E2B507F1}"/>
+                </a:ext>
+              </a:extLst>
+            </p:cNvPr>
+            <p:cNvSpPr/>
+            <p:nvPr/>
+          </p:nvSpPr>
+          <p:spPr>
+            <a:xfrm>
+              <a:off x="2253671" y="1634836"/>
+              <a:ext cx="655781" cy="655781"/>
+            </a:xfrm>
+            <a:prstGeom prst="flowChartConnector">
+              <a:avLst/>
+            </a:prstGeom>
+            <a:noFill/>
+            <a:ln>
+              <a:solidFill>
+                <a:schemeClr val="tx1"/>
+              </a:solidFill>
+            </a:ln>
+          </p:spPr>
+          <p:style>
+            <a:lnRef idx="2">
+              <a:schemeClr val="accent1">
+                <a:shade val="50000"/>
+              </a:schemeClr>
+            </a:lnRef>
+            <a:fillRef idx="1">
+              <a:schemeClr val="accent1"/>
+            </a:fillRef>
+            <a:effectRef idx="0">
+              <a:schemeClr val="accent1"/>
+            </a:effectRef>
+            <a:fontRef idx="minor">
+              <a:schemeClr val="lt1"/>
+            </a:fontRef>
+          </p:style>
+          <p:txBody>
+            <a:bodyPr rtlCol="0" anchor="ctr"/>
+            <a:lstStyle/>
+            <a:p>
+              <a:pPr algn="ctr"/>
+              <a:r>
+                <a:rPr lang="en-US" altLang="zh-CN" dirty="0">
+                  <a:solidFill>
+                    <a:schemeClr val="tx1"/>
+                  </a:solidFill>
+                </a:rPr>
+                <a:t>p</a:t>
+              </a:r>
+              <a:endParaRPr lang="zh-CN" altLang="en-US" dirty="0">
+                <a:solidFill>
+                  <a:schemeClr val="tx1"/>
+                </a:solidFill>
+              </a:endParaRPr>
+            </a:p>
+          </p:txBody>
+        </p:sp>
+        <p:sp>
+          <p:nvSpPr>
+            <p:cNvPr id="93" name="流程图: 接点 92">
+              <a:extLst>
+                <a:ext uri="{FF2B5EF4-FFF2-40B4-BE49-F238E27FC236}">
+                  <a16:creationId xmlns:a16="http://schemas.microsoft.com/office/drawing/2014/main" id="{5D616A6E-A8CA-4811-9567-0C827094A7AF}"/>
+                </a:ext>
+              </a:extLst>
+            </p:cNvPr>
+            <p:cNvSpPr/>
+            <p:nvPr/>
+          </p:nvSpPr>
+          <p:spPr>
+            <a:xfrm>
+              <a:off x="1597890" y="2535779"/>
+              <a:ext cx="655781" cy="655781"/>
+            </a:xfrm>
+            <a:prstGeom prst="flowChartConnector">
+              <a:avLst/>
+            </a:prstGeom>
+            <a:noFill/>
+            <a:ln>
+              <a:solidFill>
+                <a:schemeClr val="tx1"/>
+              </a:solidFill>
+            </a:ln>
+          </p:spPr>
+          <p:style>
+            <a:lnRef idx="2">
+              <a:schemeClr val="accent1">
+                <a:shade val="50000"/>
+              </a:schemeClr>
+            </a:lnRef>
+            <a:fillRef idx="1">
+              <a:schemeClr val="accent1"/>
+            </a:fillRef>
+            <a:effectRef idx="0">
+              <a:schemeClr val="accent1"/>
+            </a:effectRef>
+            <a:fontRef idx="minor">
+              <a:schemeClr val="lt1"/>
+            </a:fontRef>
+          </p:style>
+          <p:txBody>
+            <a:bodyPr rtlCol="0" anchor="ctr"/>
+            <a:lstStyle/>
+            <a:p>
+              <a:pPr algn="ctr"/>
+              <a:r>
+                <a:rPr lang="en-US" altLang="zh-CN" dirty="0">
+                  <a:solidFill>
+                    <a:schemeClr val="tx1"/>
+                  </a:solidFill>
+                </a:rPr>
+                <a:t>x</a:t>
+              </a:r>
+              <a:endParaRPr lang="zh-CN" altLang="en-US" dirty="0">
+                <a:solidFill>
+                  <a:schemeClr val="tx1"/>
+                </a:solidFill>
+              </a:endParaRPr>
+            </a:p>
+          </p:txBody>
+        </p:sp>
+        <p:sp>
+          <p:nvSpPr>
+            <p:cNvPr id="95" name="流程图: 接点 94">
+              <a:extLst>
+                <a:ext uri="{FF2B5EF4-FFF2-40B4-BE49-F238E27FC236}">
+                  <a16:creationId xmlns:a16="http://schemas.microsoft.com/office/drawing/2014/main" id="{E1FB6F61-F560-476B-91D7-A665E3A1898A}"/>
+                </a:ext>
+              </a:extLst>
+            </p:cNvPr>
+            <p:cNvSpPr/>
+            <p:nvPr/>
+          </p:nvSpPr>
+          <p:spPr>
+            <a:xfrm>
+              <a:off x="2253671" y="3532758"/>
+              <a:ext cx="655781" cy="655781"/>
+            </a:xfrm>
+            <a:prstGeom prst="flowChartConnector">
+              <a:avLst/>
+            </a:prstGeom>
+            <a:noFill/>
+            <a:ln>
+              <a:solidFill>
+                <a:schemeClr val="tx1"/>
+              </a:solidFill>
+            </a:ln>
+          </p:spPr>
+          <p:style>
+            <a:lnRef idx="2">
+              <a:schemeClr val="accent1">
+                <a:shade val="50000"/>
+              </a:schemeClr>
+            </a:lnRef>
+            <a:fillRef idx="1">
+              <a:schemeClr val="accent1"/>
+            </a:fillRef>
+            <a:effectRef idx="0">
+              <a:schemeClr val="accent1"/>
+            </a:effectRef>
+            <a:fontRef idx="minor">
+              <a:schemeClr val="lt1"/>
+            </a:fontRef>
+          </p:style>
+          <p:txBody>
+            <a:bodyPr rtlCol="0" anchor="ctr"/>
+            <a:lstStyle/>
+            <a:p>
+              <a:pPr algn="ctr"/>
+              <a:r>
+                <a:rPr lang="en-US" altLang="zh-CN" dirty="0">
+                  <a:solidFill>
+                    <a:schemeClr val="tx1"/>
+                  </a:solidFill>
+                </a:rPr>
+                <a:t>y</a:t>
+              </a:r>
+              <a:endParaRPr lang="zh-CN" altLang="en-US" dirty="0">
+                <a:solidFill>
+                  <a:schemeClr val="tx1"/>
+                </a:solidFill>
+              </a:endParaRPr>
+            </a:p>
+          </p:txBody>
+        </p:sp>
+        <p:sp>
+          <p:nvSpPr>
+            <p:cNvPr id="114" name="流程图: 接点 113">
+              <a:extLst>
+                <a:ext uri="{FF2B5EF4-FFF2-40B4-BE49-F238E27FC236}">
+                  <a16:creationId xmlns:a16="http://schemas.microsoft.com/office/drawing/2014/main" id="{23B93A17-4288-42E3-A582-1EDB566730DD}"/>
+                </a:ext>
+              </a:extLst>
+            </p:cNvPr>
+            <p:cNvSpPr/>
+            <p:nvPr/>
+          </p:nvSpPr>
+          <p:spPr>
+            <a:xfrm>
+              <a:off x="1597889" y="4571698"/>
+              <a:ext cx="655781" cy="655781"/>
+            </a:xfrm>
+            <a:prstGeom prst="flowChartConnector">
+              <a:avLst/>
+            </a:prstGeom>
+            <a:noFill/>
+            <a:ln>
+              <a:solidFill>
+                <a:schemeClr val="tx1"/>
+              </a:solidFill>
+            </a:ln>
+          </p:spPr>
+          <p:style>
+            <a:lnRef idx="2">
+              <a:schemeClr val="accent1">
+                <a:shade val="50000"/>
+              </a:schemeClr>
+            </a:lnRef>
+            <a:fillRef idx="1">
+              <a:schemeClr val="accent1"/>
+            </a:fillRef>
+            <a:effectRef idx="0">
+              <a:schemeClr val="accent1"/>
+            </a:effectRef>
+            <a:fontRef idx="minor">
+              <a:schemeClr val="lt1"/>
+            </a:fontRef>
+          </p:style>
+          <p:txBody>
+            <a:bodyPr rtlCol="0" anchor="ctr"/>
+            <a:lstStyle/>
+            <a:p>
+              <a:pPr algn="ctr"/>
+              <a:r>
+                <a:rPr lang="en-US" altLang="zh-CN" dirty="0" err="1">
+                  <a:solidFill>
+                    <a:schemeClr val="tx1"/>
+                  </a:solidFill>
+                </a:rPr>
+                <a:t>ly</a:t>
+              </a:r>
+              <a:endParaRPr lang="zh-CN" altLang="en-US" dirty="0">
+                <a:solidFill>
+                  <a:schemeClr val="tx1"/>
+                </a:solidFill>
+              </a:endParaRPr>
+            </a:p>
+          </p:txBody>
+        </p:sp>
+        <p:cxnSp>
+          <p:nvCxnSpPr>
+            <p:cNvPr id="6" name="直接连接符 5">
+              <a:extLst>
+                <a:ext uri="{FF2B5EF4-FFF2-40B4-BE49-F238E27FC236}">
+                  <a16:creationId xmlns:a16="http://schemas.microsoft.com/office/drawing/2014/main" id="{168D46F3-E234-48F5-BC7D-D907FEEA38D1}"/>
+                </a:ext>
+              </a:extLst>
+            </p:cNvPr>
+            <p:cNvCxnSpPr>
+              <a:stCxn id="3" idx="3"/>
+              <a:endCxn id="93" idx="0"/>
+            </p:cNvCxnSpPr>
+            <p:nvPr/>
+          </p:nvCxnSpPr>
+          <p:spPr>
+            <a:xfrm flipH="1">
+              <a:off x="1925781" y="2194580"/>
+              <a:ext cx="423927" cy="341199"/>
+            </a:xfrm>
+            <a:prstGeom prst="line">
+              <a:avLst/>
+            </a:prstGeom>
+            <a:ln>
+              <a:solidFill>
+                <a:schemeClr val="tx1"/>
+              </a:solidFill>
+            </a:ln>
+          </p:spPr>
+          <p:style>
+            <a:lnRef idx="1">
+              <a:schemeClr val="dk1"/>
+            </a:lnRef>
+            <a:fillRef idx="0">
+              <a:schemeClr val="dk1"/>
+            </a:fillRef>
+            <a:effectRef idx="0">
+              <a:schemeClr val="dk1"/>
+            </a:effectRef>
+            <a:fontRef idx="minor">
+              <a:schemeClr val="tx1"/>
+            </a:fontRef>
+          </p:style>
+        </p:cxnSp>
+        <p:cxnSp>
+          <p:nvCxnSpPr>
+            <p:cNvPr id="118" name="直接连接符 117">
+              <a:extLst>
+                <a:ext uri="{FF2B5EF4-FFF2-40B4-BE49-F238E27FC236}">
+                  <a16:creationId xmlns:a16="http://schemas.microsoft.com/office/drawing/2014/main" id="{CE1EBC31-E3B1-4438-AACD-3F3E0892083C}"/>
+                </a:ext>
+              </a:extLst>
+            </p:cNvPr>
+            <p:cNvCxnSpPr>
+              <a:cxnSpLocks/>
+              <a:stCxn id="93" idx="5"/>
+              <a:endCxn id="95" idx="0"/>
+            </p:cNvCxnSpPr>
+            <p:nvPr/>
+          </p:nvCxnSpPr>
+          <p:spPr>
+            <a:xfrm>
+              <a:off x="2157634" y="3095523"/>
+              <a:ext cx="423928" cy="437235"/>
+            </a:xfrm>
+            <a:prstGeom prst="line">
+              <a:avLst/>
+            </a:prstGeom>
+            <a:ln>
+              <a:solidFill>
+                <a:schemeClr val="tx1"/>
+              </a:solidFill>
+            </a:ln>
+          </p:spPr>
+          <p:style>
+            <a:lnRef idx="1">
+              <a:schemeClr val="dk1"/>
+            </a:lnRef>
+            <a:fillRef idx="0">
+              <a:schemeClr val="dk1"/>
+            </a:fillRef>
+            <a:effectRef idx="0">
+              <a:schemeClr val="dk1"/>
+            </a:effectRef>
+            <a:fontRef idx="minor">
+              <a:schemeClr val="tx1"/>
+            </a:fontRef>
+          </p:style>
+        </p:cxnSp>
+        <p:cxnSp>
+          <p:nvCxnSpPr>
+            <p:cNvPr id="121" name="直接连接符 120">
+              <a:extLst>
+                <a:ext uri="{FF2B5EF4-FFF2-40B4-BE49-F238E27FC236}">
+                  <a16:creationId xmlns:a16="http://schemas.microsoft.com/office/drawing/2014/main" id="{FDFD34E5-B786-4B50-AE5B-DBA14D2A9C54}"/>
+                </a:ext>
+              </a:extLst>
+            </p:cNvPr>
+            <p:cNvCxnSpPr>
+              <a:cxnSpLocks/>
+              <a:stCxn id="95" idx="3"/>
+              <a:endCxn id="114" idx="0"/>
+            </p:cNvCxnSpPr>
+            <p:nvPr/>
+          </p:nvCxnSpPr>
+          <p:spPr>
+            <a:xfrm flipH="1">
+              <a:off x="1925780" y="4092502"/>
+              <a:ext cx="423928" cy="479196"/>
+            </a:xfrm>
+            <a:prstGeom prst="line">
+              <a:avLst/>
+            </a:prstGeom>
+            <a:ln>
+              <a:solidFill>
+                <a:schemeClr val="tx1"/>
+              </a:solidFill>
+            </a:ln>
+          </p:spPr>
+          <p:style>
+            <a:lnRef idx="1">
+              <a:schemeClr val="dk1"/>
+            </a:lnRef>
+            <a:fillRef idx="0">
+              <a:schemeClr val="dk1"/>
+            </a:fillRef>
+            <a:effectRef idx="0">
+              <a:schemeClr val="dk1"/>
+            </a:effectRef>
+            <a:fontRef idx="minor">
+              <a:schemeClr val="tx1"/>
+            </a:fontRef>
+          </p:style>
+        </p:cxnSp>
+        <p:sp>
+          <p:nvSpPr>
+            <p:cNvPr id="25" name="流程图: 接点 24">
+              <a:extLst>
+                <a:ext uri="{FF2B5EF4-FFF2-40B4-BE49-F238E27FC236}">
+                  <a16:creationId xmlns:a16="http://schemas.microsoft.com/office/drawing/2014/main" id="{D4EE9B82-6BFA-430C-B96A-0EA8CD0F8A8C}"/>
+                </a:ext>
+              </a:extLst>
+            </p:cNvPr>
+            <p:cNvSpPr/>
+            <p:nvPr/>
+          </p:nvSpPr>
+          <p:spPr>
+            <a:xfrm>
+              <a:off x="2909452" y="4571698"/>
+              <a:ext cx="655781" cy="655781"/>
+            </a:xfrm>
+            <a:prstGeom prst="flowChartConnector">
+              <a:avLst/>
+            </a:prstGeom>
+            <a:noFill/>
+            <a:ln>
+              <a:solidFill>
+                <a:schemeClr val="tx1"/>
+              </a:solidFill>
+            </a:ln>
+          </p:spPr>
+          <p:style>
+            <a:lnRef idx="2">
+              <a:schemeClr val="accent1">
+                <a:shade val="50000"/>
+              </a:schemeClr>
+            </a:lnRef>
+            <a:fillRef idx="1">
+              <a:schemeClr val="accent1"/>
+            </a:fillRef>
+            <a:effectRef idx="0">
+              <a:schemeClr val="accent1"/>
+            </a:effectRef>
+            <a:fontRef idx="minor">
+              <a:schemeClr val="lt1"/>
+            </a:fontRef>
+          </p:style>
+          <p:txBody>
+            <a:bodyPr rtlCol="0" anchor="ctr"/>
+            <a:lstStyle/>
+            <a:p>
+              <a:pPr algn="ctr"/>
+              <a:r>
+                <a:rPr lang="en-US" altLang="zh-CN" dirty="0" err="1">
+                  <a:solidFill>
+                    <a:schemeClr val="tx1"/>
+                  </a:solidFill>
+                </a:rPr>
+                <a:t>ry</a:t>
+              </a:r>
+              <a:endParaRPr lang="zh-CN" altLang="en-US" dirty="0">
+                <a:solidFill>
+                  <a:schemeClr val="tx1"/>
+                </a:solidFill>
+              </a:endParaRPr>
+            </a:p>
+          </p:txBody>
+        </p:sp>
+        <p:cxnSp>
+          <p:nvCxnSpPr>
+            <p:cNvPr id="12" name="直接连接符 11">
+              <a:extLst>
+                <a:ext uri="{FF2B5EF4-FFF2-40B4-BE49-F238E27FC236}">
+                  <a16:creationId xmlns:a16="http://schemas.microsoft.com/office/drawing/2014/main" id="{F3D9ECA8-7275-4AA2-8C56-D2337DACDDE8}"/>
+                </a:ext>
+              </a:extLst>
+            </p:cNvPr>
+            <p:cNvCxnSpPr>
+              <a:stCxn id="95" idx="5"/>
+              <a:endCxn id="25" idx="0"/>
+            </p:cNvCxnSpPr>
+            <p:nvPr/>
+          </p:nvCxnSpPr>
+          <p:spPr>
+            <a:xfrm>
+              <a:off x="2813415" y="4092502"/>
+              <a:ext cx="423928" cy="479196"/>
+            </a:xfrm>
+            <a:prstGeom prst="line">
+              <a:avLst/>
+            </a:prstGeom>
+          </p:spPr>
+          <p:style>
+            <a:lnRef idx="1">
+              <a:schemeClr val="dk1"/>
+            </a:lnRef>
+            <a:fillRef idx="0">
+              <a:schemeClr val="dk1"/>
+            </a:fillRef>
+            <a:effectRef idx="0">
+              <a:schemeClr val="dk1"/>
+            </a:effectRef>
+            <a:fontRef idx="minor">
+              <a:schemeClr val="tx1"/>
+            </a:fontRef>
+          </p:style>
+        </p:cxnSp>
+        <p:sp>
+          <p:nvSpPr>
+            <p:cNvPr id="28" name="流程图: 接点 27">
+              <a:extLst>
+                <a:ext uri="{FF2B5EF4-FFF2-40B4-BE49-F238E27FC236}">
+                  <a16:creationId xmlns:a16="http://schemas.microsoft.com/office/drawing/2014/main" id="{15455BCD-8DC1-446F-AECA-BDD72D6F85ED}"/>
+                </a:ext>
+              </a:extLst>
+            </p:cNvPr>
+            <p:cNvSpPr/>
+            <p:nvPr/>
+          </p:nvSpPr>
+          <p:spPr>
+            <a:xfrm>
+              <a:off x="942108" y="3532759"/>
+              <a:ext cx="655781" cy="655781"/>
+            </a:xfrm>
+            <a:prstGeom prst="flowChartConnector">
+              <a:avLst/>
+            </a:prstGeom>
+            <a:noFill/>
+            <a:ln>
+              <a:solidFill>
+                <a:schemeClr val="tx1"/>
+              </a:solidFill>
+            </a:ln>
+          </p:spPr>
+          <p:style>
+            <a:lnRef idx="2">
+              <a:schemeClr val="accent1">
+                <a:shade val="50000"/>
+              </a:schemeClr>
+            </a:lnRef>
+            <a:fillRef idx="1">
+              <a:schemeClr val="accent1"/>
+            </a:fillRef>
+            <a:effectRef idx="0">
+              <a:schemeClr val="accent1"/>
+            </a:effectRef>
+            <a:fontRef idx="minor">
+              <a:schemeClr val="lt1"/>
+            </a:fontRef>
+          </p:style>
+          <p:txBody>
+            <a:bodyPr rtlCol="0" anchor="ctr"/>
+            <a:lstStyle/>
+            <a:p>
+              <a:pPr algn="ctr"/>
+              <a:r>
+                <a:rPr lang="en-US" altLang="zh-CN" dirty="0">
+                  <a:solidFill>
+                    <a:schemeClr val="tx1"/>
+                  </a:solidFill>
+                </a:rPr>
+                <a:t>lx</a:t>
+              </a:r>
+              <a:endParaRPr lang="zh-CN" altLang="en-US" dirty="0">
+                <a:solidFill>
+                  <a:schemeClr val="tx1"/>
+                </a:solidFill>
+              </a:endParaRPr>
+            </a:p>
+          </p:txBody>
+        </p:sp>
+        <p:cxnSp>
+          <p:nvCxnSpPr>
+            <p:cNvPr id="29" name="直接连接符 28">
+              <a:extLst>
+                <a:ext uri="{FF2B5EF4-FFF2-40B4-BE49-F238E27FC236}">
+                  <a16:creationId xmlns:a16="http://schemas.microsoft.com/office/drawing/2014/main" id="{5DD9590C-28F8-43E6-A54E-187603328FDE}"/>
+                </a:ext>
+              </a:extLst>
+            </p:cNvPr>
+            <p:cNvCxnSpPr>
+              <a:cxnSpLocks/>
+              <a:stCxn id="93" idx="3"/>
+              <a:endCxn id="28" idx="0"/>
+            </p:cNvCxnSpPr>
+            <p:nvPr/>
+          </p:nvCxnSpPr>
+          <p:spPr>
+            <a:xfrm flipH="1">
+              <a:off x="1269999" y="3095523"/>
+              <a:ext cx="423928" cy="437236"/>
+            </a:xfrm>
+            <a:prstGeom prst="line">
+              <a:avLst/>
+            </a:prstGeom>
+            <a:ln>
+              <a:solidFill>
+                <a:schemeClr val="tx1"/>
+              </a:solidFill>
+            </a:ln>
+          </p:spPr>
+          <p:style>
+            <a:lnRef idx="1">
+              <a:schemeClr val="dk1"/>
+            </a:lnRef>
+            <a:fillRef idx="0">
+              <a:schemeClr val="dk1"/>
+            </a:fillRef>
+            <a:effectRef idx="0">
+              <a:schemeClr val="dk1"/>
+            </a:effectRef>
+            <a:fontRef idx="minor">
+              <a:schemeClr val="tx1"/>
+            </a:fontRef>
+          </p:style>
+        </p:cxnSp>
+      </p:grpSp>
+      <p:grpSp>
+        <p:nvGrpSpPr>
+          <p:cNvPr id="30" name="组合 29">
+            <a:extLst>
+              <a:ext uri="{FF2B5EF4-FFF2-40B4-BE49-F238E27FC236}">
+                <a16:creationId xmlns:a16="http://schemas.microsoft.com/office/drawing/2014/main" id="{6024B423-7BA1-4970-95ED-58CC926D8292}"/>
+              </a:ext>
+            </a:extLst>
+          </p:cNvPr>
+          <p:cNvGrpSpPr/>
+          <p:nvPr/>
+        </p:nvGrpSpPr>
+        <p:grpSpPr>
+          <a:xfrm>
+            <a:off x="6162968" y="1634836"/>
+            <a:ext cx="2623125" cy="3592643"/>
+            <a:chOff x="6270553" y="1634836"/>
+            <a:chExt cx="2623125" cy="3592643"/>
+          </a:xfrm>
+        </p:grpSpPr>
+        <p:sp>
+          <p:nvSpPr>
+            <p:cNvPr id="38" name="流程图: 接点 37">
+              <a:extLst>
+                <a:ext uri="{FF2B5EF4-FFF2-40B4-BE49-F238E27FC236}">
+                  <a16:creationId xmlns:a16="http://schemas.microsoft.com/office/drawing/2014/main" id="{5973E992-519B-4769-995F-5276603E86EB}"/>
+                </a:ext>
+              </a:extLst>
+            </p:cNvPr>
+            <p:cNvSpPr/>
+            <p:nvPr/>
+          </p:nvSpPr>
+          <p:spPr>
+            <a:xfrm>
+              <a:off x="8237897" y="1634836"/>
+              <a:ext cx="655781" cy="655781"/>
+            </a:xfrm>
+            <a:prstGeom prst="flowChartConnector">
+              <a:avLst/>
+            </a:prstGeom>
+            <a:noFill/>
+            <a:ln>
+              <a:solidFill>
+                <a:schemeClr val="tx1"/>
+              </a:solidFill>
+            </a:ln>
+          </p:spPr>
+          <p:style>
+            <a:lnRef idx="2">
+              <a:schemeClr val="accent1">
+                <a:shade val="50000"/>
+              </a:schemeClr>
+            </a:lnRef>
+            <a:fillRef idx="1">
+              <a:schemeClr val="accent1"/>
+            </a:fillRef>
+            <a:effectRef idx="0">
+              <a:schemeClr val="accent1"/>
+            </a:effectRef>
+            <a:fontRef idx="minor">
+              <a:schemeClr val="lt1"/>
+            </a:fontRef>
+          </p:style>
+          <p:txBody>
+            <a:bodyPr rtlCol="0" anchor="ctr"/>
+            <a:lstStyle/>
+            <a:p>
+              <a:pPr algn="ctr"/>
+              <a:r>
+                <a:rPr lang="en-US" altLang="zh-CN" dirty="0">
+                  <a:solidFill>
+                    <a:schemeClr val="tx1"/>
+                  </a:solidFill>
+                </a:rPr>
+                <a:t>p</a:t>
+              </a:r>
+              <a:endParaRPr lang="zh-CN" altLang="en-US" dirty="0">
+                <a:solidFill>
+                  <a:schemeClr val="tx1"/>
+                </a:solidFill>
+              </a:endParaRPr>
+            </a:p>
+          </p:txBody>
+        </p:sp>
+        <p:sp>
+          <p:nvSpPr>
+            <p:cNvPr id="39" name="流程图: 接点 38">
+              <a:extLst>
+                <a:ext uri="{FF2B5EF4-FFF2-40B4-BE49-F238E27FC236}">
+                  <a16:creationId xmlns:a16="http://schemas.microsoft.com/office/drawing/2014/main" id="{B074BF00-6423-4EB2-8CE7-88DC275447B0}"/>
+                </a:ext>
+              </a:extLst>
+            </p:cNvPr>
+            <p:cNvSpPr/>
+            <p:nvPr/>
+          </p:nvSpPr>
+          <p:spPr>
+            <a:xfrm>
+              <a:off x="7582116" y="2535779"/>
+              <a:ext cx="655781" cy="655781"/>
+            </a:xfrm>
+            <a:prstGeom prst="flowChartConnector">
+              <a:avLst/>
+            </a:prstGeom>
+            <a:noFill/>
+            <a:ln>
+              <a:solidFill>
+                <a:schemeClr val="tx1"/>
+              </a:solidFill>
+            </a:ln>
+          </p:spPr>
+          <p:style>
+            <a:lnRef idx="2">
+              <a:schemeClr val="accent1">
+                <a:shade val="50000"/>
+              </a:schemeClr>
+            </a:lnRef>
+            <a:fillRef idx="1">
+              <a:schemeClr val="accent1"/>
+            </a:fillRef>
+            <a:effectRef idx="0">
+              <a:schemeClr val="accent1"/>
+            </a:effectRef>
+            <a:fontRef idx="minor">
+              <a:schemeClr val="lt1"/>
+            </a:fontRef>
+          </p:style>
+          <p:txBody>
+            <a:bodyPr rtlCol="0" anchor="ctr"/>
+            <a:lstStyle/>
+            <a:p>
+              <a:pPr algn="ctr"/>
+              <a:r>
+                <a:rPr lang="en-US" altLang="zh-CN" dirty="0">
+                  <a:solidFill>
+                    <a:schemeClr val="tx1"/>
+                  </a:solidFill>
+                </a:rPr>
+                <a:t>y</a:t>
+              </a:r>
+              <a:endParaRPr lang="zh-CN" altLang="en-US" dirty="0">
+                <a:solidFill>
+                  <a:schemeClr val="tx1"/>
+                </a:solidFill>
+              </a:endParaRPr>
+            </a:p>
+          </p:txBody>
+        </p:sp>
+        <p:sp>
+          <p:nvSpPr>
+            <p:cNvPr id="40" name="流程图: 接点 39">
+              <a:extLst>
+                <a:ext uri="{FF2B5EF4-FFF2-40B4-BE49-F238E27FC236}">
+                  <a16:creationId xmlns:a16="http://schemas.microsoft.com/office/drawing/2014/main" id="{9AC292C3-EAC8-4BB2-BD45-D880E3733386}"/>
+                </a:ext>
+              </a:extLst>
+            </p:cNvPr>
+            <p:cNvSpPr/>
+            <p:nvPr/>
+          </p:nvSpPr>
+          <p:spPr>
+            <a:xfrm>
+              <a:off x="8237897" y="3532758"/>
+              <a:ext cx="655781" cy="655781"/>
+            </a:xfrm>
+            <a:prstGeom prst="flowChartConnector">
+              <a:avLst/>
+            </a:prstGeom>
+            <a:noFill/>
+            <a:ln>
+              <a:solidFill>
+                <a:schemeClr val="tx1"/>
+              </a:solidFill>
+            </a:ln>
+          </p:spPr>
+          <p:style>
+            <a:lnRef idx="2">
+              <a:schemeClr val="accent1">
+                <a:shade val="50000"/>
+              </a:schemeClr>
+            </a:lnRef>
+            <a:fillRef idx="1">
+              <a:schemeClr val="accent1"/>
+            </a:fillRef>
+            <a:effectRef idx="0">
+              <a:schemeClr val="accent1"/>
+            </a:effectRef>
+            <a:fontRef idx="minor">
+              <a:schemeClr val="lt1"/>
+            </a:fontRef>
+          </p:style>
+          <p:txBody>
+            <a:bodyPr rtlCol="0" anchor="ctr"/>
+            <a:lstStyle/>
+            <a:p>
+              <a:pPr algn="ctr"/>
+              <a:r>
+                <a:rPr lang="en-US" altLang="zh-CN" dirty="0" err="1">
+                  <a:solidFill>
+                    <a:schemeClr val="tx1"/>
+                  </a:solidFill>
+                </a:rPr>
+                <a:t>ry</a:t>
+              </a:r>
+              <a:endParaRPr lang="zh-CN" altLang="en-US" dirty="0">
+                <a:solidFill>
+                  <a:schemeClr val="tx1"/>
+                </a:solidFill>
+              </a:endParaRPr>
+            </a:p>
+          </p:txBody>
+        </p:sp>
+        <p:sp>
+          <p:nvSpPr>
+            <p:cNvPr id="41" name="流程图: 接点 40">
+              <a:extLst>
+                <a:ext uri="{FF2B5EF4-FFF2-40B4-BE49-F238E27FC236}">
+                  <a16:creationId xmlns:a16="http://schemas.microsoft.com/office/drawing/2014/main" id="{B51A89D5-19F1-4615-991B-A3F65A8B7A0C}"/>
+                </a:ext>
+              </a:extLst>
+            </p:cNvPr>
+            <p:cNvSpPr/>
+            <p:nvPr/>
+          </p:nvSpPr>
+          <p:spPr>
+            <a:xfrm>
+              <a:off x="6270553" y="4571698"/>
+              <a:ext cx="655781" cy="655781"/>
+            </a:xfrm>
+            <a:prstGeom prst="flowChartConnector">
+              <a:avLst/>
+            </a:prstGeom>
+            <a:noFill/>
+            <a:ln>
+              <a:solidFill>
+                <a:schemeClr val="tx1"/>
+              </a:solidFill>
+            </a:ln>
+          </p:spPr>
+          <p:style>
+            <a:lnRef idx="2">
+              <a:schemeClr val="accent1">
+                <a:shade val="50000"/>
+              </a:schemeClr>
+            </a:lnRef>
+            <a:fillRef idx="1">
+              <a:schemeClr val="accent1"/>
+            </a:fillRef>
+            <a:effectRef idx="0">
+              <a:schemeClr val="accent1"/>
+            </a:effectRef>
+            <a:fontRef idx="minor">
+              <a:schemeClr val="lt1"/>
+            </a:fontRef>
+          </p:style>
+          <p:txBody>
+            <a:bodyPr rtlCol="0" anchor="ctr"/>
+            <a:lstStyle/>
+            <a:p>
+              <a:pPr algn="ctr"/>
+              <a:r>
+                <a:rPr lang="en-US" altLang="zh-CN" dirty="0">
+                  <a:solidFill>
+                    <a:schemeClr val="tx1"/>
+                  </a:solidFill>
+                </a:rPr>
+                <a:t>lx</a:t>
+              </a:r>
+              <a:endParaRPr lang="zh-CN" altLang="en-US" dirty="0">
+                <a:solidFill>
+                  <a:schemeClr val="tx1"/>
+                </a:solidFill>
+              </a:endParaRPr>
+            </a:p>
+          </p:txBody>
+        </p:sp>
+        <p:cxnSp>
+          <p:nvCxnSpPr>
+            <p:cNvPr id="42" name="直接连接符 41">
+              <a:extLst>
+                <a:ext uri="{FF2B5EF4-FFF2-40B4-BE49-F238E27FC236}">
+                  <a16:creationId xmlns:a16="http://schemas.microsoft.com/office/drawing/2014/main" id="{0F8F1225-4EFE-4E5A-AE03-9E44887CBD9D}"/>
+                </a:ext>
+              </a:extLst>
+            </p:cNvPr>
+            <p:cNvCxnSpPr>
+              <a:stCxn id="38" idx="3"/>
+              <a:endCxn id="39" idx="0"/>
+            </p:cNvCxnSpPr>
+            <p:nvPr/>
+          </p:nvCxnSpPr>
+          <p:spPr>
+            <a:xfrm flipH="1">
+              <a:off x="7910007" y="2194580"/>
+              <a:ext cx="423927" cy="341199"/>
+            </a:xfrm>
+            <a:prstGeom prst="line">
+              <a:avLst/>
+            </a:prstGeom>
+            <a:ln>
+              <a:solidFill>
+                <a:schemeClr val="tx1"/>
+              </a:solidFill>
+            </a:ln>
+          </p:spPr>
+          <p:style>
+            <a:lnRef idx="1">
+              <a:schemeClr val="dk1"/>
+            </a:lnRef>
+            <a:fillRef idx="0">
+              <a:schemeClr val="dk1"/>
+            </a:fillRef>
+            <a:effectRef idx="0">
+              <a:schemeClr val="dk1"/>
+            </a:effectRef>
+            <a:fontRef idx="minor">
+              <a:schemeClr val="tx1"/>
+            </a:fontRef>
+          </p:style>
+        </p:cxnSp>
+        <p:cxnSp>
+          <p:nvCxnSpPr>
+            <p:cNvPr id="43" name="直接连接符 42">
+              <a:extLst>
+                <a:ext uri="{FF2B5EF4-FFF2-40B4-BE49-F238E27FC236}">
+                  <a16:creationId xmlns:a16="http://schemas.microsoft.com/office/drawing/2014/main" id="{BC34A873-5ED0-4C72-9FCB-ECF4EE9DC184}"/>
+                </a:ext>
+              </a:extLst>
+            </p:cNvPr>
+            <p:cNvCxnSpPr>
+              <a:cxnSpLocks/>
+              <a:stCxn id="39" idx="5"/>
+              <a:endCxn id="40" idx="0"/>
+            </p:cNvCxnSpPr>
+            <p:nvPr/>
+          </p:nvCxnSpPr>
+          <p:spPr>
+            <a:xfrm>
+              <a:off x="8141860" y="3095523"/>
+              <a:ext cx="423928" cy="437235"/>
+            </a:xfrm>
+            <a:prstGeom prst="line">
+              <a:avLst/>
+            </a:prstGeom>
+            <a:ln>
+              <a:solidFill>
+                <a:schemeClr val="tx1"/>
+              </a:solidFill>
+            </a:ln>
+          </p:spPr>
+          <p:style>
+            <a:lnRef idx="1">
+              <a:schemeClr val="dk1"/>
+            </a:lnRef>
+            <a:fillRef idx="0">
+              <a:schemeClr val="dk1"/>
+            </a:fillRef>
+            <a:effectRef idx="0">
+              <a:schemeClr val="dk1"/>
+            </a:effectRef>
+            <a:fontRef idx="minor">
+              <a:schemeClr val="tx1"/>
+            </a:fontRef>
+          </p:style>
+        </p:cxnSp>
+        <p:cxnSp>
+          <p:nvCxnSpPr>
+            <p:cNvPr id="44" name="直接连接符 43">
+              <a:extLst>
+                <a:ext uri="{FF2B5EF4-FFF2-40B4-BE49-F238E27FC236}">
+                  <a16:creationId xmlns:a16="http://schemas.microsoft.com/office/drawing/2014/main" id="{1E4FDE17-668D-4F66-9627-FDDCB6463694}"/>
+                </a:ext>
+              </a:extLst>
+            </p:cNvPr>
+            <p:cNvCxnSpPr>
+              <a:cxnSpLocks/>
+              <a:stCxn id="47" idx="3"/>
+              <a:endCxn id="41" idx="0"/>
+            </p:cNvCxnSpPr>
+            <p:nvPr/>
+          </p:nvCxnSpPr>
+          <p:spPr>
+            <a:xfrm flipH="1">
+              <a:off x="6598444" y="4092503"/>
+              <a:ext cx="423927" cy="479195"/>
+            </a:xfrm>
+            <a:prstGeom prst="line">
+              <a:avLst/>
+            </a:prstGeom>
+            <a:ln>
+              <a:solidFill>
+                <a:schemeClr val="tx1"/>
+              </a:solidFill>
+            </a:ln>
+          </p:spPr>
+          <p:style>
+            <a:lnRef idx="1">
+              <a:schemeClr val="dk1"/>
+            </a:lnRef>
+            <a:fillRef idx="0">
+              <a:schemeClr val="dk1"/>
+            </a:fillRef>
+            <a:effectRef idx="0">
+              <a:schemeClr val="dk1"/>
+            </a:effectRef>
+            <a:fontRef idx="minor">
+              <a:schemeClr val="tx1"/>
+            </a:fontRef>
+          </p:style>
+        </p:cxnSp>
+        <p:sp>
+          <p:nvSpPr>
+            <p:cNvPr id="45" name="流程图: 接点 44">
+              <a:extLst>
+                <a:ext uri="{FF2B5EF4-FFF2-40B4-BE49-F238E27FC236}">
+                  <a16:creationId xmlns:a16="http://schemas.microsoft.com/office/drawing/2014/main" id="{7103F7A4-7025-4624-A62E-500BDF7B8046}"/>
+                </a:ext>
+              </a:extLst>
+            </p:cNvPr>
+            <p:cNvSpPr/>
+            <p:nvPr/>
+          </p:nvSpPr>
+          <p:spPr>
+            <a:xfrm>
+              <a:off x="7582116" y="4571698"/>
+              <a:ext cx="655781" cy="655781"/>
+            </a:xfrm>
+            <a:prstGeom prst="flowChartConnector">
+              <a:avLst/>
+            </a:prstGeom>
+            <a:noFill/>
+            <a:ln>
+              <a:solidFill>
+                <a:schemeClr val="tx1"/>
+              </a:solidFill>
+            </a:ln>
+          </p:spPr>
+          <p:style>
+            <a:lnRef idx="2">
+              <a:schemeClr val="accent1">
+                <a:shade val="50000"/>
+              </a:schemeClr>
+            </a:lnRef>
+            <a:fillRef idx="1">
+              <a:schemeClr val="accent1"/>
+            </a:fillRef>
+            <a:effectRef idx="0">
+              <a:schemeClr val="accent1"/>
+            </a:effectRef>
+            <a:fontRef idx="minor">
+              <a:schemeClr val="lt1"/>
+            </a:fontRef>
+          </p:style>
+          <p:txBody>
+            <a:bodyPr rtlCol="0" anchor="ctr"/>
+            <a:lstStyle/>
+            <a:p>
+              <a:pPr algn="ctr"/>
+              <a:r>
+                <a:rPr lang="en-US" altLang="zh-CN" dirty="0" err="1">
+                  <a:solidFill>
+                    <a:schemeClr val="tx1"/>
+                  </a:solidFill>
+                </a:rPr>
+                <a:t>ly</a:t>
+              </a:r>
+              <a:endParaRPr lang="zh-CN" altLang="en-US" dirty="0">
+                <a:solidFill>
+                  <a:schemeClr val="tx1"/>
+                </a:solidFill>
+              </a:endParaRPr>
+            </a:p>
+          </p:txBody>
+        </p:sp>
+        <p:cxnSp>
+          <p:nvCxnSpPr>
+            <p:cNvPr id="46" name="直接连接符 45">
+              <a:extLst>
+                <a:ext uri="{FF2B5EF4-FFF2-40B4-BE49-F238E27FC236}">
+                  <a16:creationId xmlns:a16="http://schemas.microsoft.com/office/drawing/2014/main" id="{4F547517-18D3-45FA-9458-B93A0EA29806}"/>
+                </a:ext>
+              </a:extLst>
+            </p:cNvPr>
+            <p:cNvCxnSpPr>
+              <a:cxnSpLocks/>
+              <a:stCxn id="47" idx="5"/>
+              <a:endCxn id="45" idx="0"/>
+            </p:cNvCxnSpPr>
+            <p:nvPr/>
+          </p:nvCxnSpPr>
+          <p:spPr>
+            <a:xfrm>
+              <a:off x="7486078" y="4092503"/>
+              <a:ext cx="423929" cy="479195"/>
+            </a:xfrm>
+            <a:prstGeom prst="line">
+              <a:avLst/>
+            </a:prstGeom>
+          </p:spPr>
+          <p:style>
+            <a:lnRef idx="1">
+              <a:schemeClr val="dk1"/>
+            </a:lnRef>
+            <a:fillRef idx="0">
+              <a:schemeClr val="dk1"/>
+            </a:fillRef>
+            <a:effectRef idx="0">
+              <a:schemeClr val="dk1"/>
+            </a:effectRef>
+            <a:fontRef idx="minor">
+              <a:schemeClr val="tx1"/>
+            </a:fontRef>
+          </p:style>
+        </p:cxnSp>
+        <p:sp>
+          <p:nvSpPr>
+            <p:cNvPr id="47" name="流程图: 接点 46">
+              <a:extLst>
+                <a:ext uri="{FF2B5EF4-FFF2-40B4-BE49-F238E27FC236}">
+                  <a16:creationId xmlns:a16="http://schemas.microsoft.com/office/drawing/2014/main" id="{9D7C4A29-10CB-470E-A0BB-E1F111E29D51}"/>
+                </a:ext>
+              </a:extLst>
+            </p:cNvPr>
+            <p:cNvSpPr/>
+            <p:nvPr/>
+          </p:nvSpPr>
+          <p:spPr>
+            <a:xfrm>
+              <a:off x="6926334" y="3532759"/>
+              <a:ext cx="655781" cy="655781"/>
+            </a:xfrm>
+            <a:prstGeom prst="flowChartConnector">
+              <a:avLst/>
+            </a:prstGeom>
+            <a:noFill/>
+            <a:ln>
+              <a:solidFill>
+                <a:schemeClr val="tx1"/>
+              </a:solidFill>
+            </a:ln>
+          </p:spPr>
+          <p:style>
+            <a:lnRef idx="2">
+              <a:schemeClr val="accent1">
+                <a:shade val="50000"/>
+              </a:schemeClr>
+            </a:lnRef>
+            <a:fillRef idx="1">
+              <a:schemeClr val="accent1"/>
+            </a:fillRef>
+            <a:effectRef idx="0">
+              <a:schemeClr val="accent1"/>
+            </a:effectRef>
+            <a:fontRef idx="minor">
+              <a:schemeClr val="lt1"/>
+            </a:fontRef>
+          </p:style>
+          <p:txBody>
+            <a:bodyPr rtlCol="0" anchor="ctr"/>
+            <a:lstStyle/>
+            <a:p>
+              <a:pPr algn="ctr"/>
+              <a:r>
+                <a:rPr lang="en-US" altLang="zh-CN" dirty="0">
+                  <a:solidFill>
+                    <a:schemeClr val="tx1"/>
+                  </a:solidFill>
+                </a:rPr>
+                <a:t>x</a:t>
+              </a:r>
+              <a:endParaRPr lang="zh-CN" altLang="en-US" dirty="0">
+                <a:solidFill>
+                  <a:schemeClr val="tx1"/>
+                </a:solidFill>
+              </a:endParaRPr>
+            </a:p>
+          </p:txBody>
+        </p:sp>
+        <p:cxnSp>
+          <p:nvCxnSpPr>
+            <p:cNvPr id="48" name="直接连接符 47">
+              <a:extLst>
+                <a:ext uri="{FF2B5EF4-FFF2-40B4-BE49-F238E27FC236}">
+                  <a16:creationId xmlns:a16="http://schemas.microsoft.com/office/drawing/2014/main" id="{374E4E02-3625-4DCC-9B9D-1B78E541274B}"/>
+                </a:ext>
+              </a:extLst>
+            </p:cNvPr>
+            <p:cNvCxnSpPr>
+              <a:cxnSpLocks/>
+              <a:stCxn id="39" idx="3"/>
+              <a:endCxn id="47" idx="0"/>
+            </p:cNvCxnSpPr>
+            <p:nvPr/>
+          </p:nvCxnSpPr>
+          <p:spPr>
+            <a:xfrm flipH="1">
+              <a:off x="7254225" y="3095523"/>
+              <a:ext cx="423928" cy="437236"/>
+            </a:xfrm>
+            <a:prstGeom prst="line">
+              <a:avLst/>
+            </a:prstGeom>
+            <a:ln>
+              <a:solidFill>
+                <a:schemeClr val="tx1"/>
+              </a:solidFill>
+            </a:ln>
+          </p:spPr>
+          <p:style>
+            <a:lnRef idx="1">
+              <a:schemeClr val="dk1"/>
+            </a:lnRef>
+            <a:fillRef idx="0">
+              <a:schemeClr val="dk1"/>
+            </a:fillRef>
+            <a:effectRef idx="0">
+              <a:schemeClr val="dk1"/>
+            </a:effectRef>
+            <a:fontRef idx="minor">
+              <a:schemeClr val="tx1"/>
+            </a:fontRef>
+          </p:style>
+        </p:cxnSp>
+      </p:grpSp>
+      <p:cxnSp>
+        <p:nvCxnSpPr>
+          <p:cNvPr id="49" name="直接箭头连接符 48">
+            <a:extLst>
+              <a:ext uri="{FF2B5EF4-FFF2-40B4-BE49-F238E27FC236}">
+                <a16:creationId xmlns:a16="http://schemas.microsoft.com/office/drawing/2014/main" id="{139E3967-AA43-4E95-A8A2-6610E375A6E8}"/>
+              </a:ext>
+            </a:extLst>
+          </p:cNvPr>
+          <p:cNvCxnSpPr>
+            <a:cxnSpLocks/>
+          </p:cNvCxnSpPr>
+          <p:nvPr/>
+        </p:nvCxnSpPr>
+        <p:spPr>
+          <a:xfrm>
+            <a:off x="3897745" y="3191560"/>
+            <a:ext cx="2022763" cy="0"/>
+          </a:xfrm>
+          <a:prstGeom prst="straightConnector1">
+            <a:avLst/>
+          </a:prstGeom>
+          <a:ln>
+            <a:tailEnd type="triangle"/>
+          </a:ln>
+        </p:spPr>
+        <p:style>
+          <a:lnRef idx="3">
+            <a:schemeClr val="dk1"/>
+          </a:lnRef>
+          <a:fillRef idx="0">
+            <a:schemeClr val="dk1"/>
+          </a:fillRef>
+          <a:effectRef idx="2">
+            <a:schemeClr val="dk1"/>
+          </a:effectRef>
+          <a:fontRef idx="minor">
+            <a:schemeClr val="tx1"/>
+          </a:fontRef>
+        </p:style>
+      </p:cxnSp>
+    </p:spTree>
+    <p:extLst>
+      <p:ext uri="{BB962C8B-B14F-4D97-AF65-F5344CB8AC3E}">
+        <p14:creationId xmlns:p14="http://schemas.microsoft.com/office/powerpoint/2010/main" val="2610838827"/>
+      </p:ext>
+    </p:extLst>
+  </p:cSld>
+  <p:clrMapOvr>
+    <a:masterClrMapping/>
+  </p:clrMapOvr>
+</p:sld>
+</file>
+
+<file path=ppt/slides/slide6.xml><?xml version="1.0" encoding="utf-8"?>
+<p:sld xmlns:a="http://schemas.openxmlformats.org/drawingml/2006/main" xmlns:r="http://schemas.openxmlformats.org/officeDocument/2006/relationships" xmlns:p="http://schemas.openxmlformats.org/presentationml/2006/main">
+  <p:cSld>
+    <p:spTree>
+      <p:nvGrpSpPr>
+        <p:cNvPr id="1" name=""/>
+        <p:cNvGrpSpPr/>
+        <p:nvPr/>
+      </p:nvGrpSpPr>
+      <p:grpSpPr>
+        <a:xfrm>
+          <a:off x="0" y="0"/>
+          <a:ext cx="0" cy="0"/>
+          <a:chOff x="0" y="0"/>
+          <a:chExt cx="0" cy="0"/>
+        </a:xfrm>
+      </p:grpSpPr>
+      <p:sp>
+        <p:nvSpPr>
+          <p:cNvPr id="2" name="文本框 1">
+            <a:extLst>
+              <a:ext uri="{FF2B5EF4-FFF2-40B4-BE49-F238E27FC236}">
+                <a16:creationId xmlns:a16="http://schemas.microsoft.com/office/drawing/2014/main" id="{F4D32593-6C9D-48A1-ADAA-164F345AB09C}"/>
+              </a:ext>
+            </a:extLst>
+          </p:cNvPr>
+          <p:cNvSpPr txBox="1"/>
+          <p:nvPr/>
+        </p:nvSpPr>
+        <p:spPr>
+          <a:xfrm>
+            <a:off x="0" y="18350"/>
+            <a:ext cx="12192000" cy="830997"/>
+          </a:xfrm>
+          <a:prstGeom prst="rect">
+            <a:avLst/>
+          </a:prstGeom>
+          <a:noFill/>
+        </p:spPr>
+        <p:txBody>
+          <a:bodyPr wrap="square" rtlCol="0">
+            <a:spAutoFit/>
+          </a:bodyPr>
+          <a:lstStyle/>
+          <a:p>
+            <a:r>
+              <a:rPr lang="zh-CN" altLang="en-US" sz="4800" dirty="0">
+                <a:latin typeface="微软雅黑" panose="020B0503020204020204" pitchFamily="34" charset="-122"/>
+                <a:ea typeface="微软雅黑" panose="020B0503020204020204" pitchFamily="34" charset="-122"/>
+              </a:rPr>
+              <a:t>右旋</a:t>
+            </a:r>
+          </a:p>
+        </p:txBody>
+      </p:sp>
+      <p:grpSp>
+        <p:nvGrpSpPr>
+          <p:cNvPr id="4" name="组合 3">
+            <a:extLst>
+              <a:ext uri="{FF2B5EF4-FFF2-40B4-BE49-F238E27FC236}">
+                <a16:creationId xmlns:a16="http://schemas.microsoft.com/office/drawing/2014/main" id="{1E9FFC65-91C3-42E9-B2F1-4E5B9459E379}"/>
+              </a:ext>
+            </a:extLst>
+          </p:cNvPr>
+          <p:cNvGrpSpPr/>
+          <p:nvPr/>
+        </p:nvGrpSpPr>
+        <p:grpSpPr>
+          <a:xfrm>
+            <a:off x="1110674" y="1520874"/>
+            <a:ext cx="2623125" cy="3592643"/>
+            <a:chOff x="6270553" y="1634836"/>
+            <a:chExt cx="2623125" cy="3592643"/>
+          </a:xfrm>
+        </p:grpSpPr>
+        <p:sp>
+          <p:nvSpPr>
+            <p:cNvPr id="38" name="流程图: 接点 37">
+              <a:extLst>
+                <a:ext uri="{FF2B5EF4-FFF2-40B4-BE49-F238E27FC236}">
+                  <a16:creationId xmlns:a16="http://schemas.microsoft.com/office/drawing/2014/main" id="{5973E992-519B-4769-995F-5276603E86EB}"/>
+                </a:ext>
+              </a:extLst>
+            </p:cNvPr>
+            <p:cNvSpPr/>
+            <p:nvPr/>
+          </p:nvSpPr>
+          <p:spPr>
+            <a:xfrm>
+              <a:off x="8237897" y="1634836"/>
+              <a:ext cx="655781" cy="655781"/>
+            </a:xfrm>
+            <a:prstGeom prst="flowChartConnector">
+              <a:avLst/>
+            </a:prstGeom>
+            <a:noFill/>
+            <a:ln>
+              <a:solidFill>
+                <a:schemeClr val="tx1"/>
+              </a:solidFill>
+            </a:ln>
+          </p:spPr>
+          <p:style>
+            <a:lnRef idx="2">
+              <a:schemeClr val="accent1">
+                <a:shade val="50000"/>
+              </a:schemeClr>
+            </a:lnRef>
+            <a:fillRef idx="1">
+              <a:schemeClr val="accent1"/>
+            </a:fillRef>
+            <a:effectRef idx="0">
+              <a:schemeClr val="accent1"/>
+            </a:effectRef>
+            <a:fontRef idx="minor">
+              <a:schemeClr val="lt1"/>
+            </a:fontRef>
+          </p:style>
+          <p:txBody>
+            <a:bodyPr rtlCol="0" anchor="ctr"/>
+            <a:lstStyle/>
+            <a:p>
+              <a:pPr algn="ctr"/>
+              <a:r>
+                <a:rPr lang="en-US" altLang="zh-CN" dirty="0">
+                  <a:solidFill>
+                    <a:schemeClr val="tx1"/>
+                  </a:solidFill>
+                </a:rPr>
+                <a:t>p</a:t>
+              </a:r>
+              <a:endParaRPr lang="zh-CN" altLang="en-US" dirty="0">
+                <a:solidFill>
+                  <a:schemeClr val="tx1"/>
+                </a:solidFill>
+              </a:endParaRPr>
+            </a:p>
+          </p:txBody>
+        </p:sp>
+        <p:sp>
+          <p:nvSpPr>
+            <p:cNvPr id="39" name="流程图: 接点 38">
+              <a:extLst>
+                <a:ext uri="{FF2B5EF4-FFF2-40B4-BE49-F238E27FC236}">
+                  <a16:creationId xmlns:a16="http://schemas.microsoft.com/office/drawing/2014/main" id="{B074BF00-6423-4EB2-8CE7-88DC275447B0}"/>
+                </a:ext>
+              </a:extLst>
+            </p:cNvPr>
+            <p:cNvSpPr/>
+            <p:nvPr/>
+          </p:nvSpPr>
+          <p:spPr>
+            <a:xfrm>
+              <a:off x="7582116" y="2535779"/>
+              <a:ext cx="655781" cy="655781"/>
+            </a:xfrm>
+            <a:prstGeom prst="flowChartConnector">
+              <a:avLst/>
+            </a:prstGeom>
+            <a:noFill/>
+            <a:ln>
+              <a:solidFill>
+                <a:schemeClr val="tx1"/>
+              </a:solidFill>
+            </a:ln>
+          </p:spPr>
+          <p:style>
+            <a:lnRef idx="2">
+              <a:schemeClr val="accent1">
+                <a:shade val="50000"/>
+              </a:schemeClr>
+            </a:lnRef>
+            <a:fillRef idx="1">
+              <a:schemeClr val="accent1"/>
+            </a:fillRef>
+            <a:effectRef idx="0">
+              <a:schemeClr val="accent1"/>
+            </a:effectRef>
+            <a:fontRef idx="minor">
+              <a:schemeClr val="lt1"/>
+            </a:fontRef>
+          </p:style>
+          <p:txBody>
+            <a:bodyPr rtlCol="0" anchor="ctr"/>
+            <a:lstStyle/>
+            <a:p>
+              <a:pPr algn="ctr"/>
+              <a:r>
+                <a:rPr lang="en-US" altLang="zh-CN" dirty="0">
+                  <a:solidFill>
+                    <a:schemeClr val="tx1"/>
+                  </a:solidFill>
+                </a:rPr>
+                <a:t>y</a:t>
+              </a:r>
+              <a:endParaRPr lang="zh-CN" altLang="en-US" dirty="0">
+                <a:solidFill>
+                  <a:schemeClr val="tx1"/>
+                </a:solidFill>
+              </a:endParaRPr>
+            </a:p>
+          </p:txBody>
+        </p:sp>
+        <p:sp>
+          <p:nvSpPr>
+            <p:cNvPr id="40" name="流程图: 接点 39">
+              <a:extLst>
+                <a:ext uri="{FF2B5EF4-FFF2-40B4-BE49-F238E27FC236}">
+                  <a16:creationId xmlns:a16="http://schemas.microsoft.com/office/drawing/2014/main" id="{9AC292C3-EAC8-4BB2-BD45-D880E3733386}"/>
+                </a:ext>
+              </a:extLst>
+            </p:cNvPr>
+            <p:cNvSpPr/>
+            <p:nvPr/>
+          </p:nvSpPr>
+          <p:spPr>
+            <a:xfrm>
+              <a:off x="8237897" y="3532758"/>
+              <a:ext cx="655781" cy="655781"/>
+            </a:xfrm>
+            <a:prstGeom prst="flowChartConnector">
+              <a:avLst/>
+            </a:prstGeom>
+            <a:noFill/>
+            <a:ln>
+              <a:solidFill>
+                <a:schemeClr val="tx1"/>
+              </a:solidFill>
+            </a:ln>
+          </p:spPr>
+          <p:style>
+            <a:lnRef idx="2">
+              <a:schemeClr val="accent1">
+                <a:shade val="50000"/>
+              </a:schemeClr>
+            </a:lnRef>
+            <a:fillRef idx="1">
+              <a:schemeClr val="accent1"/>
+            </a:fillRef>
+            <a:effectRef idx="0">
+              <a:schemeClr val="accent1"/>
+            </a:effectRef>
+            <a:fontRef idx="minor">
+              <a:schemeClr val="lt1"/>
+            </a:fontRef>
+          </p:style>
+          <p:txBody>
+            <a:bodyPr rtlCol="0" anchor="ctr"/>
+            <a:lstStyle/>
+            <a:p>
+              <a:pPr algn="ctr"/>
+              <a:r>
+                <a:rPr lang="en-US" altLang="zh-CN" dirty="0" err="1">
+                  <a:solidFill>
+                    <a:schemeClr val="tx1"/>
+                  </a:solidFill>
+                </a:rPr>
+                <a:t>ry</a:t>
+              </a:r>
+              <a:endParaRPr lang="zh-CN" altLang="en-US" dirty="0">
+                <a:solidFill>
+                  <a:schemeClr val="tx1"/>
+                </a:solidFill>
+              </a:endParaRPr>
+            </a:p>
+          </p:txBody>
+        </p:sp>
+        <p:sp>
+          <p:nvSpPr>
+            <p:cNvPr id="41" name="流程图: 接点 40">
+              <a:extLst>
+                <a:ext uri="{FF2B5EF4-FFF2-40B4-BE49-F238E27FC236}">
+                  <a16:creationId xmlns:a16="http://schemas.microsoft.com/office/drawing/2014/main" id="{B51A89D5-19F1-4615-991B-A3F65A8B7A0C}"/>
+                </a:ext>
+              </a:extLst>
+            </p:cNvPr>
+            <p:cNvSpPr/>
+            <p:nvPr/>
+          </p:nvSpPr>
+          <p:spPr>
+            <a:xfrm>
+              <a:off x="6270553" y="4571698"/>
+              <a:ext cx="655781" cy="655781"/>
+            </a:xfrm>
+            <a:prstGeom prst="flowChartConnector">
+              <a:avLst/>
+            </a:prstGeom>
+            <a:noFill/>
+            <a:ln>
+              <a:solidFill>
+                <a:schemeClr val="tx1"/>
+              </a:solidFill>
+            </a:ln>
+          </p:spPr>
+          <p:style>
+            <a:lnRef idx="2">
+              <a:schemeClr val="accent1">
+                <a:shade val="50000"/>
+              </a:schemeClr>
+            </a:lnRef>
+            <a:fillRef idx="1">
+              <a:schemeClr val="accent1"/>
+            </a:fillRef>
+            <a:effectRef idx="0">
+              <a:schemeClr val="accent1"/>
+            </a:effectRef>
+            <a:fontRef idx="minor">
+              <a:schemeClr val="lt1"/>
+            </a:fontRef>
+          </p:style>
+          <p:txBody>
+            <a:bodyPr rtlCol="0" anchor="ctr"/>
+            <a:lstStyle/>
+            <a:p>
+              <a:pPr algn="ctr"/>
+              <a:r>
+                <a:rPr lang="en-US" altLang="zh-CN" dirty="0">
+                  <a:solidFill>
+                    <a:schemeClr val="tx1"/>
+                  </a:solidFill>
+                </a:rPr>
+                <a:t>lx</a:t>
+              </a:r>
+              <a:endParaRPr lang="zh-CN" altLang="en-US" dirty="0">
+                <a:solidFill>
+                  <a:schemeClr val="tx1"/>
+                </a:solidFill>
+              </a:endParaRPr>
+            </a:p>
+          </p:txBody>
+        </p:sp>
+        <p:cxnSp>
+          <p:nvCxnSpPr>
+            <p:cNvPr id="42" name="直接连接符 41">
+              <a:extLst>
+                <a:ext uri="{FF2B5EF4-FFF2-40B4-BE49-F238E27FC236}">
+                  <a16:creationId xmlns:a16="http://schemas.microsoft.com/office/drawing/2014/main" id="{0F8F1225-4EFE-4E5A-AE03-9E44887CBD9D}"/>
+                </a:ext>
+              </a:extLst>
+            </p:cNvPr>
+            <p:cNvCxnSpPr>
+              <a:stCxn id="38" idx="3"/>
+              <a:endCxn id="39" idx="0"/>
+            </p:cNvCxnSpPr>
+            <p:nvPr/>
+          </p:nvCxnSpPr>
+          <p:spPr>
+            <a:xfrm flipH="1">
+              <a:off x="7910007" y="2194580"/>
+              <a:ext cx="423927" cy="341199"/>
+            </a:xfrm>
+            <a:prstGeom prst="line">
+              <a:avLst/>
+            </a:prstGeom>
+            <a:ln>
+              <a:solidFill>
+                <a:schemeClr val="tx1"/>
+              </a:solidFill>
+            </a:ln>
+          </p:spPr>
+          <p:style>
+            <a:lnRef idx="1">
+              <a:schemeClr val="dk1"/>
+            </a:lnRef>
+            <a:fillRef idx="0">
+              <a:schemeClr val="dk1"/>
+            </a:fillRef>
+            <a:effectRef idx="0">
+              <a:schemeClr val="dk1"/>
+            </a:effectRef>
+            <a:fontRef idx="minor">
+              <a:schemeClr val="tx1"/>
+            </a:fontRef>
+          </p:style>
+        </p:cxnSp>
+        <p:cxnSp>
+          <p:nvCxnSpPr>
+            <p:cNvPr id="43" name="直接连接符 42">
+              <a:extLst>
+                <a:ext uri="{FF2B5EF4-FFF2-40B4-BE49-F238E27FC236}">
+                  <a16:creationId xmlns:a16="http://schemas.microsoft.com/office/drawing/2014/main" id="{BC34A873-5ED0-4C72-9FCB-ECF4EE9DC184}"/>
+                </a:ext>
+              </a:extLst>
+            </p:cNvPr>
+            <p:cNvCxnSpPr>
+              <a:cxnSpLocks/>
+              <a:stCxn id="39" idx="5"/>
+              <a:endCxn id="40" idx="0"/>
+            </p:cNvCxnSpPr>
+            <p:nvPr/>
+          </p:nvCxnSpPr>
+          <p:spPr>
+            <a:xfrm>
+              <a:off x="8141860" y="3095523"/>
+              <a:ext cx="423928" cy="437235"/>
+            </a:xfrm>
+            <a:prstGeom prst="line">
+              <a:avLst/>
+            </a:prstGeom>
+            <a:ln>
+              <a:solidFill>
+                <a:schemeClr val="tx1"/>
+              </a:solidFill>
+            </a:ln>
+          </p:spPr>
+          <p:style>
+            <a:lnRef idx="1">
+              <a:schemeClr val="dk1"/>
+            </a:lnRef>
+            <a:fillRef idx="0">
+              <a:schemeClr val="dk1"/>
+            </a:fillRef>
+            <a:effectRef idx="0">
+              <a:schemeClr val="dk1"/>
+            </a:effectRef>
+            <a:fontRef idx="minor">
+              <a:schemeClr val="tx1"/>
+            </a:fontRef>
+          </p:style>
+        </p:cxnSp>
+        <p:cxnSp>
+          <p:nvCxnSpPr>
+            <p:cNvPr id="44" name="直接连接符 43">
+              <a:extLst>
+                <a:ext uri="{FF2B5EF4-FFF2-40B4-BE49-F238E27FC236}">
+                  <a16:creationId xmlns:a16="http://schemas.microsoft.com/office/drawing/2014/main" id="{1E4FDE17-668D-4F66-9627-FDDCB6463694}"/>
+                </a:ext>
+              </a:extLst>
+            </p:cNvPr>
+            <p:cNvCxnSpPr>
+              <a:cxnSpLocks/>
+              <a:stCxn id="47" idx="3"/>
+              <a:endCxn id="41" idx="0"/>
+            </p:cNvCxnSpPr>
+            <p:nvPr/>
+          </p:nvCxnSpPr>
+          <p:spPr>
+            <a:xfrm flipH="1">
+              <a:off x="6598444" y="4092503"/>
+              <a:ext cx="423927" cy="479195"/>
+            </a:xfrm>
+            <a:prstGeom prst="line">
+              <a:avLst/>
+            </a:prstGeom>
+            <a:ln>
+              <a:solidFill>
+                <a:schemeClr val="tx1"/>
+              </a:solidFill>
+            </a:ln>
+          </p:spPr>
+          <p:style>
+            <a:lnRef idx="1">
+              <a:schemeClr val="dk1"/>
+            </a:lnRef>
+            <a:fillRef idx="0">
+              <a:schemeClr val="dk1"/>
+            </a:fillRef>
+            <a:effectRef idx="0">
+              <a:schemeClr val="dk1"/>
+            </a:effectRef>
+            <a:fontRef idx="minor">
+              <a:schemeClr val="tx1"/>
+            </a:fontRef>
+          </p:style>
+        </p:cxnSp>
+        <p:sp>
+          <p:nvSpPr>
+            <p:cNvPr id="45" name="流程图: 接点 44">
+              <a:extLst>
+                <a:ext uri="{FF2B5EF4-FFF2-40B4-BE49-F238E27FC236}">
+                  <a16:creationId xmlns:a16="http://schemas.microsoft.com/office/drawing/2014/main" id="{7103F7A4-7025-4624-A62E-500BDF7B8046}"/>
+                </a:ext>
+              </a:extLst>
+            </p:cNvPr>
+            <p:cNvSpPr/>
+            <p:nvPr/>
+          </p:nvSpPr>
+          <p:spPr>
+            <a:xfrm>
+              <a:off x="7582116" y="4571698"/>
+              <a:ext cx="655781" cy="655781"/>
+            </a:xfrm>
+            <a:prstGeom prst="flowChartConnector">
+              <a:avLst/>
+            </a:prstGeom>
+            <a:noFill/>
+            <a:ln>
+              <a:solidFill>
+                <a:schemeClr val="tx1"/>
+              </a:solidFill>
+            </a:ln>
+          </p:spPr>
+          <p:style>
+            <a:lnRef idx="2">
+              <a:schemeClr val="accent1">
+                <a:shade val="50000"/>
+              </a:schemeClr>
+            </a:lnRef>
+            <a:fillRef idx="1">
+              <a:schemeClr val="accent1"/>
+            </a:fillRef>
+            <a:effectRef idx="0">
+              <a:schemeClr val="accent1"/>
+            </a:effectRef>
+            <a:fontRef idx="minor">
+              <a:schemeClr val="lt1"/>
+            </a:fontRef>
+          </p:style>
+          <p:txBody>
+            <a:bodyPr rtlCol="0" anchor="ctr"/>
+            <a:lstStyle/>
+            <a:p>
+              <a:pPr algn="ctr"/>
+              <a:r>
+                <a:rPr lang="en-US" altLang="zh-CN" dirty="0" err="1">
+                  <a:solidFill>
+                    <a:schemeClr val="tx1"/>
+                  </a:solidFill>
+                </a:rPr>
+                <a:t>rx</a:t>
+              </a:r>
+              <a:endParaRPr lang="zh-CN" altLang="en-US" dirty="0">
+                <a:solidFill>
+                  <a:schemeClr val="tx1"/>
+                </a:solidFill>
+              </a:endParaRPr>
+            </a:p>
+          </p:txBody>
+        </p:sp>
+        <p:cxnSp>
+          <p:nvCxnSpPr>
+            <p:cNvPr id="46" name="直接连接符 45">
+              <a:extLst>
+                <a:ext uri="{FF2B5EF4-FFF2-40B4-BE49-F238E27FC236}">
+                  <a16:creationId xmlns:a16="http://schemas.microsoft.com/office/drawing/2014/main" id="{4F547517-18D3-45FA-9458-B93A0EA29806}"/>
+                </a:ext>
+              </a:extLst>
+            </p:cNvPr>
+            <p:cNvCxnSpPr>
+              <a:cxnSpLocks/>
+              <a:stCxn id="47" idx="5"/>
+              <a:endCxn id="45" idx="0"/>
+            </p:cNvCxnSpPr>
+            <p:nvPr/>
+          </p:nvCxnSpPr>
+          <p:spPr>
+            <a:xfrm>
+              <a:off x="7486078" y="4092503"/>
+              <a:ext cx="423929" cy="479195"/>
+            </a:xfrm>
+            <a:prstGeom prst="line">
+              <a:avLst/>
+            </a:prstGeom>
+          </p:spPr>
+          <p:style>
+            <a:lnRef idx="1">
+              <a:schemeClr val="dk1"/>
+            </a:lnRef>
+            <a:fillRef idx="0">
+              <a:schemeClr val="dk1"/>
+            </a:fillRef>
+            <a:effectRef idx="0">
+              <a:schemeClr val="dk1"/>
+            </a:effectRef>
+            <a:fontRef idx="minor">
+              <a:schemeClr val="tx1"/>
+            </a:fontRef>
+          </p:style>
+        </p:cxnSp>
+        <p:sp>
+          <p:nvSpPr>
+            <p:cNvPr id="47" name="流程图: 接点 46">
+              <a:extLst>
+                <a:ext uri="{FF2B5EF4-FFF2-40B4-BE49-F238E27FC236}">
+                  <a16:creationId xmlns:a16="http://schemas.microsoft.com/office/drawing/2014/main" id="{9D7C4A29-10CB-470E-A0BB-E1F111E29D51}"/>
+                </a:ext>
+              </a:extLst>
+            </p:cNvPr>
+            <p:cNvSpPr/>
+            <p:nvPr/>
+          </p:nvSpPr>
+          <p:spPr>
+            <a:xfrm>
+              <a:off x="6926334" y="3532759"/>
+              <a:ext cx="655781" cy="655781"/>
+            </a:xfrm>
+            <a:prstGeom prst="flowChartConnector">
+              <a:avLst/>
+            </a:prstGeom>
+            <a:noFill/>
+            <a:ln>
+              <a:solidFill>
+                <a:schemeClr val="tx1"/>
+              </a:solidFill>
+            </a:ln>
+          </p:spPr>
+          <p:style>
+            <a:lnRef idx="2">
+              <a:schemeClr val="accent1">
+                <a:shade val="50000"/>
+              </a:schemeClr>
+            </a:lnRef>
+            <a:fillRef idx="1">
+              <a:schemeClr val="accent1"/>
+            </a:fillRef>
+            <a:effectRef idx="0">
+              <a:schemeClr val="accent1"/>
+            </a:effectRef>
+            <a:fontRef idx="minor">
+              <a:schemeClr val="lt1"/>
+            </a:fontRef>
+          </p:style>
+          <p:txBody>
+            <a:bodyPr rtlCol="0" anchor="ctr"/>
+            <a:lstStyle/>
+            <a:p>
+              <a:pPr algn="ctr"/>
+              <a:r>
+                <a:rPr lang="en-US" altLang="zh-CN" dirty="0">
+                  <a:solidFill>
+                    <a:schemeClr val="tx1"/>
+                  </a:solidFill>
+                </a:rPr>
+                <a:t>x</a:t>
+              </a:r>
+              <a:endParaRPr lang="zh-CN" altLang="en-US" dirty="0">
+                <a:solidFill>
+                  <a:schemeClr val="tx1"/>
+                </a:solidFill>
+              </a:endParaRPr>
+            </a:p>
+          </p:txBody>
+        </p:sp>
+        <p:cxnSp>
+          <p:nvCxnSpPr>
+            <p:cNvPr id="48" name="直接连接符 47">
+              <a:extLst>
+                <a:ext uri="{FF2B5EF4-FFF2-40B4-BE49-F238E27FC236}">
+                  <a16:creationId xmlns:a16="http://schemas.microsoft.com/office/drawing/2014/main" id="{374E4E02-3625-4DCC-9B9D-1B78E541274B}"/>
+                </a:ext>
+              </a:extLst>
+            </p:cNvPr>
+            <p:cNvCxnSpPr>
+              <a:cxnSpLocks/>
+              <a:stCxn id="39" idx="3"/>
+              <a:endCxn id="47" idx="0"/>
+            </p:cNvCxnSpPr>
+            <p:nvPr/>
+          </p:nvCxnSpPr>
+          <p:spPr>
+            <a:xfrm flipH="1">
+              <a:off x="7254225" y="3095523"/>
+              <a:ext cx="423928" cy="437236"/>
+            </a:xfrm>
+            <a:prstGeom prst="line">
+              <a:avLst/>
+            </a:prstGeom>
+            <a:ln>
+              <a:solidFill>
+                <a:schemeClr val="tx1"/>
+              </a:solidFill>
+            </a:ln>
+          </p:spPr>
+          <p:style>
+            <a:lnRef idx="1">
+              <a:schemeClr val="dk1"/>
+            </a:lnRef>
+            <a:fillRef idx="0">
+              <a:schemeClr val="dk1"/>
+            </a:fillRef>
+            <a:effectRef idx="0">
+              <a:schemeClr val="dk1"/>
+            </a:effectRef>
+            <a:fontRef idx="minor">
+              <a:schemeClr val="tx1"/>
+            </a:fontRef>
+          </p:style>
+        </p:cxnSp>
+      </p:grpSp>
+      <p:cxnSp>
+        <p:nvCxnSpPr>
+          <p:cNvPr id="49" name="直接箭头连接符 48">
+            <a:extLst>
+              <a:ext uri="{FF2B5EF4-FFF2-40B4-BE49-F238E27FC236}">
+                <a16:creationId xmlns:a16="http://schemas.microsoft.com/office/drawing/2014/main" id="{139E3967-AA43-4E95-A8A2-6610E375A6E8}"/>
+              </a:ext>
+            </a:extLst>
+          </p:cNvPr>
+          <p:cNvCxnSpPr>
+            <a:cxnSpLocks/>
+          </p:cNvCxnSpPr>
+          <p:nvPr/>
+        </p:nvCxnSpPr>
+        <p:spPr>
+          <a:xfrm>
+            <a:off x="3897745" y="3191560"/>
+            <a:ext cx="2022763" cy="0"/>
+          </a:xfrm>
+          <a:prstGeom prst="straightConnector1">
+            <a:avLst/>
+          </a:prstGeom>
+          <a:ln>
+            <a:tailEnd type="triangle"/>
+          </a:ln>
+        </p:spPr>
+        <p:style>
+          <a:lnRef idx="3">
+            <a:schemeClr val="dk1"/>
+          </a:lnRef>
+          <a:fillRef idx="0">
+            <a:schemeClr val="dk1"/>
+          </a:fillRef>
+          <a:effectRef idx="2">
+            <a:schemeClr val="dk1"/>
+          </a:effectRef>
+          <a:fontRef idx="minor">
+            <a:schemeClr val="tx1"/>
+          </a:fontRef>
+        </p:style>
+      </p:cxnSp>
+      <p:grpSp>
+        <p:nvGrpSpPr>
+          <p:cNvPr id="5" name="组合 4">
+            <a:extLst>
+              <a:ext uri="{FF2B5EF4-FFF2-40B4-BE49-F238E27FC236}">
+                <a16:creationId xmlns:a16="http://schemas.microsoft.com/office/drawing/2014/main" id="{DD51B097-BD40-475C-BE31-4897DAF3E37F}"/>
+              </a:ext>
+            </a:extLst>
+          </p:cNvPr>
+          <p:cNvGrpSpPr/>
+          <p:nvPr/>
+        </p:nvGrpSpPr>
+        <p:grpSpPr>
+          <a:xfrm>
+            <a:off x="6394822" y="1517446"/>
+            <a:ext cx="2623125" cy="3592643"/>
+            <a:chOff x="942108" y="1634836"/>
+            <a:chExt cx="2623125" cy="3592643"/>
+          </a:xfrm>
+        </p:grpSpPr>
+        <p:sp>
+          <p:nvSpPr>
+            <p:cNvPr id="3" name="流程图: 接点 2">
+              <a:extLst>
+                <a:ext uri="{FF2B5EF4-FFF2-40B4-BE49-F238E27FC236}">
+                  <a16:creationId xmlns:a16="http://schemas.microsoft.com/office/drawing/2014/main" id="{314C4B4A-987F-4786-9277-FFF3E2B507F1}"/>
+                </a:ext>
+              </a:extLst>
+            </p:cNvPr>
+            <p:cNvSpPr/>
+            <p:nvPr/>
+          </p:nvSpPr>
+          <p:spPr>
+            <a:xfrm>
+              <a:off x="2253671" y="1634836"/>
+              <a:ext cx="655781" cy="655781"/>
+            </a:xfrm>
+            <a:prstGeom prst="flowChartConnector">
+              <a:avLst/>
+            </a:prstGeom>
+            <a:noFill/>
+            <a:ln>
+              <a:solidFill>
+                <a:schemeClr val="tx1"/>
+              </a:solidFill>
+            </a:ln>
+          </p:spPr>
+          <p:style>
+            <a:lnRef idx="2">
+              <a:schemeClr val="accent1">
+                <a:shade val="50000"/>
+              </a:schemeClr>
+            </a:lnRef>
+            <a:fillRef idx="1">
+              <a:schemeClr val="accent1"/>
+            </a:fillRef>
+            <a:effectRef idx="0">
+              <a:schemeClr val="accent1"/>
+            </a:effectRef>
+            <a:fontRef idx="minor">
+              <a:schemeClr val="lt1"/>
+            </a:fontRef>
+          </p:style>
+          <p:txBody>
+            <a:bodyPr rtlCol="0" anchor="ctr"/>
+            <a:lstStyle/>
+            <a:p>
+              <a:pPr algn="ctr"/>
+              <a:r>
+                <a:rPr lang="en-US" altLang="zh-CN" dirty="0">
+                  <a:solidFill>
+                    <a:schemeClr val="tx1"/>
+                  </a:solidFill>
+                </a:rPr>
+                <a:t>p</a:t>
+              </a:r>
+              <a:endParaRPr lang="zh-CN" altLang="en-US" dirty="0">
+                <a:solidFill>
+                  <a:schemeClr val="tx1"/>
+                </a:solidFill>
+              </a:endParaRPr>
+            </a:p>
+          </p:txBody>
+        </p:sp>
+        <p:sp>
+          <p:nvSpPr>
+            <p:cNvPr id="93" name="流程图: 接点 92">
+              <a:extLst>
+                <a:ext uri="{FF2B5EF4-FFF2-40B4-BE49-F238E27FC236}">
+                  <a16:creationId xmlns:a16="http://schemas.microsoft.com/office/drawing/2014/main" id="{5D616A6E-A8CA-4811-9567-0C827094A7AF}"/>
+                </a:ext>
+              </a:extLst>
+            </p:cNvPr>
+            <p:cNvSpPr/>
+            <p:nvPr/>
+          </p:nvSpPr>
+          <p:spPr>
+            <a:xfrm>
+              <a:off x="1597890" y="2535779"/>
+              <a:ext cx="655781" cy="655781"/>
+            </a:xfrm>
+            <a:prstGeom prst="flowChartConnector">
+              <a:avLst/>
+            </a:prstGeom>
+            <a:noFill/>
+            <a:ln>
+              <a:solidFill>
+                <a:schemeClr val="tx1"/>
+              </a:solidFill>
+            </a:ln>
+          </p:spPr>
+          <p:style>
+            <a:lnRef idx="2">
+              <a:schemeClr val="accent1">
+                <a:shade val="50000"/>
+              </a:schemeClr>
+            </a:lnRef>
+            <a:fillRef idx="1">
+              <a:schemeClr val="accent1"/>
+            </a:fillRef>
+            <a:effectRef idx="0">
+              <a:schemeClr val="accent1"/>
+            </a:effectRef>
+            <a:fontRef idx="minor">
+              <a:schemeClr val="lt1"/>
+            </a:fontRef>
+          </p:style>
+          <p:txBody>
+            <a:bodyPr rtlCol="0" anchor="ctr"/>
+            <a:lstStyle/>
+            <a:p>
+              <a:pPr algn="ctr"/>
+              <a:r>
+                <a:rPr lang="en-US" altLang="zh-CN" dirty="0">
+                  <a:solidFill>
+                    <a:schemeClr val="tx1"/>
+                  </a:solidFill>
+                </a:rPr>
+                <a:t>x</a:t>
+              </a:r>
+              <a:endParaRPr lang="zh-CN" altLang="en-US" dirty="0">
+                <a:solidFill>
+                  <a:schemeClr val="tx1"/>
+                </a:solidFill>
+              </a:endParaRPr>
+            </a:p>
+          </p:txBody>
+        </p:sp>
+        <p:sp>
+          <p:nvSpPr>
+            <p:cNvPr id="95" name="流程图: 接点 94">
+              <a:extLst>
+                <a:ext uri="{FF2B5EF4-FFF2-40B4-BE49-F238E27FC236}">
+                  <a16:creationId xmlns:a16="http://schemas.microsoft.com/office/drawing/2014/main" id="{E1FB6F61-F560-476B-91D7-A665E3A1898A}"/>
+                </a:ext>
+              </a:extLst>
+            </p:cNvPr>
+            <p:cNvSpPr/>
+            <p:nvPr/>
+          </p:nvSpPr>
+          <p:spPr>
+            <a:xfrm>
+              <a:off x="2253671" y="3532758"/>
+              <a:ext cx="655781" cy="655781"/>
+            </a:xfrm>
+            <a:prstGeom prst="flowChartConnector">
+              <a:avLst/>
+            </a:prstGeom>
+            <a:noFill/>
+            <a:ln>
+              <a:solidFill>
+                <a:schemeClr val="tx1"/>
+              </a:solidFill>
+            </a:ln>
+          </p:spPr>
+          <p:style>
+            <a:lnRef idx="2">
+              <a:schemeClr val="accent1">
+                <a:shade val="50000"/>
+              </a:schemeClr>
+            </a:lnRef>
+            <a:fillRef idx="1">
+              <a:schemeClr val="accent1"/>
+            </a:fillRef>
+            <a:effectRef idx="0">
+              <a:schemeClr val="accent1"/>
+            </a:effectRef>
+            <a:fontRef idx="minor">
+              <a:schemeClr val="lt1"/>
+            </a:fontRef>
+          </p:style>
+          <p:txBody>
+            <a:bodyPr rtlCol="0" anchor="ctr"/>
+            <a:lstStyle/>
+            <a:p>
+              <a:pPr algn="ctr"/>
+              <a:r>
+                <a:rPr lang="en-US" altLang="zh-CN" dirty="0">
+                  <a:solidFill>
+                    <a:schemeClr val="tx1"/>
+                  </a:solidFill>
+                </a:rPr>
+                <a:t>y</a:t>
+              </a:r>
+              <a:endParaRPr lang="zh-CN" altLang="en-US" dirty="0">
+                <a:solidFill>
+                  <a:schemeClr val="tx1"/>
+                </a:solidFill>
+              </a:endParaRPr>
+            </a:p>
+          </p:txBody>
+        </p:sp>
+        <p:sp>
+          <p:nvSpPr>
+            <p:cNvPr id="114" name="流程图: 接点 113">
+              <a:extLst>
+                <a:ext uri="{FF2B5EF4-FFF2-40B4-BE49-F238E27FC236}">
+                  <a16:creationId xmlns:a16="http://schemas.microsoft.com/office/drawing/2014/main" id="{23B93A17-4288-42E3-A582-1EDB566730DD}"/>
+                </a:ext>
+              </a:extLst>
+            </p:cNvPr>
+            <p:cNvSpPr/>
+            <p:nvPr/>
+          </p:nvSpPr>
+          <p:spPr>
+            <a:xfrm>
+              <a:off x="1597889" y="4571698"/>
+              <a:ext cx="655781" cy="655781"/>
+            </a:xfrm>
+            <a:prstGeom prst="flowChartConnector">
+              <a:avLst/>
+            </a:prstGeom>
+            <a:noFill/>
+            <a:ln>
+              <a:solidFill>
+                <a:schemeClr val="tx1"/>
+              </a:solidFill>
+            </a:ln>
+          </p:spPr>
+          <p:style>
+            <a:lnRef idx="2">
+              <a:schemeClr val="accent1">
+                <a:shade val="50000"/>
+              </a:schemeClr>
+            </a:lnRef>
+            <a:fillRef idx="1">
+              <a:schemeClr val="accent1"/>
+            </a:fillRef>
+            <a:effectRef idx="0">
+              <a:schemeClr val="accent1"/>
+            </a:effectRef>
+            <a:fontRef idx="minor">
+              <a:schemeClr val="lt1"/>
+            </a:fontRef>
+          </p:style>
+          <p:txBody>
+            <a:bodyPr rtlCol="0" anchor="ctr"/>
+            <a:lstStyle/>
+            <a:p>
+              <a:pPr algn="ctr"/>
+              <a:r>
+                <a:rPr lang="en-US" altLang="zh-CN" dirty="0" err="1">
+                  <a:solidFill>
+                    <a:schemeClr val="tx1"/>
+                  </a:solidFill>
+                </a:rPr>
+                <a:t>rx</a:t>
+              </a:r>
+              <a:endParaRPr lang="zh-CN" altLang="en-US" dirty="0">
+                <a:solidFill>
+                  <a:schemeClr val="tx1"/>
+                </a:solidFill>
+              </a:endParaRPr>
+            </a:p>
+          </p:txBody>
+        </p:sp>
+        <p:cxnSp>
+          <p:nvCxnSpPr>
+            <p:cNvPr id="6" name="直接连接符 5">
+              <a:extLst>
+                <a:ext uri="{FF2B5EF4-FFF2-40B4-BE49-F238E27FC236}">
+                  <a16:creationId xmlns:a16="http://schemas.microsoft.com/office/drawing/2014/main" id="{168D46F3-E234-48F5-BC7D-D907FEEA38D1}"/>
+                </a:ext>
+              </a:extLst>
+            </p:cNvPr>
+            <p:cNvCxnSpPr>
+              <a:stCxn id="3" idx="3"/>
+              <a:endCxn id="93" idx="0"/>
+            </p:cNvCxnSpPr>
+            <p:nvPr/>
+          </p:nvCxnSpPr>
+          <p:spPr>
+            <a:xfrm flipH="1">
+              <a:off x="1925781" y="2194580"/>
+              <a:ext cx="423927" cy="341199"/>
+            </a:xfrm>
+            <a:prstGeom prst="line">
+              <a:avLst/>
+            </a:prstGeom>
+            <a:ln>
+              <a:solidFill>
+                <a:schemeClr val="tx1"/>
+              </a:solidFill>
+            </a:ln>
+          </p:spPr>
+          <p:style>
+            <a:lnRef idx="1">
+              <a:schemeClr val="dk1"/>
+            </a:lnRef>
+            <a:fillRef idx="0">
+              <a:schemeClr val="dk1"/>
+            </a:fillRef>
+            <a:effectRef idx="0">
+              <a:schemeClr val="dk1"/>
+            </a:effectRef>
+            <a:fontRef idx="minor">
+              <a:schemeClr val="tx1"/>
+            </a:fontRef>
+          </p:style>
+        </p:cxnSp>
+        <p:cxnSp>
+          <p:nvCxnSpPr>
+            <p:cNvPr id="118" name="直接连接符 117">
+              <a:extLst>
+                <a:ext uri="{FF2B5EF4-FFF2-40B4-BE49-F238E27FC236}">
+                  <a16:creationId xmlns:a16="http://schemas.microsoft.com/office/drawing/2014/main" id="{CE1EBC31-E3B1-4438-AACD-3F3E0892083C}"/>
+                </a:ext>
+              </a:extLst>
+            </p:cNvPr>
+            <p:cNvCxnSpPr>
+              <a:cxnSpLocks/>
+              <a:stCxn id="93" idx="5"/>
+              <a:endCxn id="95" idx="0"/>
+            </p:cNvCxnSpPr>
+            <p:nvPr/>
+          </p:nvCxnSpPr>
+          <p:spPr>
+            <a:xfrm>
+              <a:off x="2157634" y="3095523"/>
+              <a:ext cx="423928" cy="437235"/>
+            </a:xfrm>
+            <a:prstGeom prst="line">
+              <a:avLst/>
+            </a:prstGeom>
+            <a:ln>
+              <a:solidFill>
+                <a:schemeClr val="tx1"/>
+              </a:solidFill>
+            </a:ln>
+          </p:spPr>
+          <p:style>
+            <a:lnRef idx="1">
+              <a:schemeClr val="dk1"/>
+            </a:lnRef>
+            <a:fillRef idx="0">
+              <a:schemeClr val="dk1"/>
+            </a:fillRef>
+            <a:effectRef idx="0">
+              <a:schemeClr val="dk1"/>
+            </a:effectRef>
+            <a:fontRef idx="minor">
+              <a:schemeClr val="tx1"/>
+            </a:fontRef>
+          </p:style>
+        </p:cxnSp>
+        <p:cxnSp>
+          <p:nvCxnSpPr>
+            <p:cNvPr id="121" name="直接连接符 120">
+              <a:extLst>
+                <a:ext uri="{FF2B5EF4-FFF2-40B4-BE49-F238E27FC236}">
+                  <a16:creationId xmlns:a16="http://schemas.microsoft.com/office/drawing/2014/main" id="{FDFD34E5-B786-4B50-AE5B-DBA14D2A9C54}"/>
+                </a:ext>
+              </a:extLst>
+            </p:cNvPr>
+            <p:cNvCxnSpPr>
+              <a:cxnSpLocks/>
+              <a:stCxn id="95" idx="3"/>
+              <a:endCxn id="114" idx="0"/>
+            </p:cNvCxnSpPr>
+            <p:nvPr/>
+          </p:nvCxnSpPr>
+          <p:spPr>
+            <a:xfrm flipH="1">
+              <a:off x="1925780" y="4092502"/>
+              <a:ext cx="423928" cy="479196"/>
+            </a:xfrm>
+            <a:prstGeom prst="line">
+              <a:avLst/>
+            </a:prstGeom>
+            <a:ln>
+              <a:solidFill>
+                <a:schemeClr val="tx1"/>
+              </a:solidFill>
+            </a:ln>
+          </p:spPr>
+          <p:style>
+            <a:lnRef idx="1">
+              <a:schemeClr val="dk1"/>
+            </a:lnRef>
+            <a:fillRef idx="0">
+              <a:schemeClr val="dk1"/>
+            </a:fillRef>
+            <a:effectRef idx="0">
+              <a:schemeClr val="dk1"/>
+            </a:effectRef>
+            <a:fontRef idx="minor">
+              <a:schemeClr val="tx1"/>
+            </a:fontRef>
+          </p:style>
+        </p:cxnSp>
+        <p:sp>
+          <p:nvSpPr>
+            <p:cNvPr id="25" name="流程图: 接点 24">
+              <a:extLst>
+                <a:ext uri="{FF2B5EF4-FFF2-40B4-BE49-F238E27FC236}">
+                  <a16:creationId xmlns:a16="http://schemas.microsoft.com/office/drawing/2014/main" id="{D4EE9B82-6BFA-430C-B96A-0EA8CD0F8A8C}"/>
+                </a:ext>
+              </a:extLst>
+            </p:cNvPr>
+            <p:cNvSpPr/>
+            <p:nvPr/>
+          </p:nvSpPr>
+          <p:spPr>
+            <a:xfrm>
+              <a:off x="2909452" y="4571698"/>
+              <a:ext cx="655781" cy="655781"/>
+            </a:xfrm>
+            <a:prstGeom prst="flowChartConnector">
+              <a:avLst/>
+            </a:prstGeom>
+            <a:noFill/>
+            <a:ln>
+              <a:solidFill>
+                <a:schemeClr val="tx1"/>
+              </a:solidFill>
+            </a:ln>
+          </p:spPr>
+          <p:style>
+            <a:lnRef idx="2">
+              <a:schemeClr val="accent1">
+                <a:shade val="50000"/>
+              </a:schemeClr>
+            </a:lnRef>
+            <a:fillRef idx="1">
+              <a:schemeClr val="accent1"/>
+            </a:fillRef>
+            <a:effectRef idx="0">
+              <a:schemeClr val="accent1"/>
+            </a:effectRef>
+            <a:fontRef idx="minor">
+              <a:schemeClr val="lt1"/>
+            </a:fontRef>
+          </p:style>
+          <p:txBody>
+            <a:bodyPr rtlCol="0" anchor="ctr"/>
+            <a:lstStyle/>
+            <a:p>
+              <a:pPr algn="ctr"/>
+              <a:r>
+                <a:rPr lang="en-US" altLang="zh-CN" dirty="0" err="1">
+                  <a:solidFill>
+                    <a:schemeClr val="tx1"/>
+                  </a:solidFill>
+                </a:rPr>
+                <a:t>ry</a:t>
+              </a:r>
+              <a:endParaRPr lang="zh-CN" altLang="en-US" dirty="0">
+                <a:solidFill>
+                  <a:schemeClr val="tx1"/>
+                </a:solidFill>
+              </a:endParaRPr>
+            </a:p>
+          </p:txBody>
+        </p:sp>
+        <p:cxnSp>
+          <p:nvCxnSpPr>
+            <p:cNvPr id="12" name="直接连接符 11">
+              <a:extLst>
+                <a:ext uri="{FF2B5EF4-FFF2-40B4-BE49-F238E27FC236}">
+                  <a16:creationId xmlns:a16="http://schemas.microsoft.com/office/drawing/2014/main" id="{F3D9ECA8-7275-4AA2-8C56-D2337DACDDE8}"/>
+                </a:ext>
+              </a:extLst>
+            </p:cNvPr>
+            <p:cNvCxnSpPr>
+              <a:stCxn id="95" idx="5"/>
+              <a:endCxn id="25" idx="0"/>
+            </p:cNvCxnSpPr>
+            <p:nvPr/>
+          </p:nvCxnSpPr>
+          <p:spPr>
+            <a:xfrm>
+              <a:off x="2813415" y="4092502"/>
+              <a:ext cx="423928" cy="479196"/>
+            </a:xfrm>
+            <a:prstGeom prst="line">
+              <a:avLst/>
+            </a:prstGeom>
+          </p:spPr>
+          <p:style>
+            <a:lnRef idx="1">
+              <a:schemeClr val="dk1"/>
+            </a:lnRef>
+            <a:fillRef idx="0">
+              <a:schemeClr val="dk1"/>
+            </a:fillRef>
+            <a:effectRef idx="0">
+              <a:schemeClr val="dk1"/>
+            </a:effectRef>
+            <a:fontRef idx="minor">
+              <a:schemeClr val="tx1"/>
+            </a:fontRef>
+          </p:style>
+        </p:cxnSp>
+        <p:sp>
+          <p:nvSpPr>
+            <p:cNvPr id="28" name="流程图: 接点 27">
+              <a:extLst>
+                <a:ext uri="{FF2B5EF4-FFF2-40B4-BE49-F238E27FC236}">
+                  <a16:creationId xmlns:a16="http://schemas.microsoft.com/office/drawing/2014/main" id="{15455BCD-8DC1-446F-AECA-BDD72D6F85ED}"/>
+                </a:ext>
+              </a:extLst>
+            </p:cNvPr>
+            <p:cNvSpPr/>
+            <p:nvPr/>
+          </p:nvSpPr>
+          <p:spPr>
+            <a:xfrm>
+              <a:off x="942108" y="3532759"/>
+              <a:ext cx="655781" cy="655781"/>
+            </a:xfrm>
+            <a:prstGeom prst="flowChartConnector">
+              <a:avLst/>
+            </a:prstGeom>
+            <a:noFill/>
+            <a:ln>
+              <a:solidFill>
+                <a:schemeClr val="tx1"/>
+              </a:solidFill>
+            </a:ln>
+          </p:spPr>
+          <p:style>
+            <a:lnRef idx="2">
+              <a:schemeClr val="accent1">
+                <a:shade val="50000"/>
+              </a:schemeClr>
+            </a:lnRef>
+            <a:fillRef idx="1">
+              <a:schemeClr val="accent1"/>
+            </a:fillRef>
+            <a:effectRef idx="0">
+              <a:schemeClr val="accent1"/>
+            </a:effectRef>
+            <a:fontRef idx="minor">
+              <a:schemeClr val="lt1"/>
+            </a:fontRef>
+          </p:style>
+          <p:txBody>
+            <a:bodyPr rtlCol="0" anchor="ctr"/>
+            <a:lstStyle/>
+            <a:p>
+              <a:pPr algn="ctr"/>
+              <a:r>
+                <a:rPr lang="en-US" altLang="zh-CN" dirty="0">
+                  <a:solidFill>
+                    <a:schemeClr val="tx1"/>
+                  </a:solidFill>
+                </a:rPr>
+                <a:t>lx</a:t>
+              </a:r>
+              <a:endParaRPr lang="zh-CN" altLang="en-US" dirty="0">
+                <a:solidFill>
+                  <a:schemeClr val="tx1"/>
+                </a:solidFill>
+              </a:endParaRPr>
+            </a:p>
+          </p:txBody>
+        </p:sp>
+        <p:cxnSp>
+          <p:nvCxnSpPr>
+            <p:cNvPr id="29" name="直接连接符 28">
+              <a:extLst>
+                <a:ext uri="{FF2B5EF4-FFF2-40B4-BE49-F238E27FC236}">
+                  <a16:creationId xmlns:a16="http://schemas.microsoft.com/office/drawing/2014/main" id="{5DD9590C-28F8-43E6-A54E-187603328FDE}"/>
+                </a:ext>
+              </a:extLst>
+            </p:cNvPr>
+            <p:cNvCxnSpPr>
+              <a:cxnSpLocks/>
+              <a:stCxn id="93" idx="3"/>
+              <a:endCxn id="28" idx="0"/>
+            </p:cNvCxnSpPr>
+            <p:nvPr/>
+          </p:nvCxnSpPr>
+          <p:spPr>
+            <a:xfrm flipH="1">
+              <a:off x="1269999" y="3095523"/>
+              <a:ext cx="423928" cy="437236"/>
+            </a:xfrm>
+            <a:prstGeom prst="line">
+              <a:avLst/>
+            </a:prstGeom>
+            <a:ln>
+              <a:solidFill>
+                <a:schemeClr val="tx1"/>
+              </a:solidFill>
+            </a:ln>
+          </p:spPr>
+          <p:style>
+            <a:lnRef idx="1">
+              <a:schemeClr val="dk1"/>
+            </a:lnRef>
+            <a:fillRef idx="0">
+              <a:schemeClr val="dk1"/>
+            </a:fillRef>
+            <a:effectRef idx="0">
+              <a:schemeClr val="dk1"/>
+            </a:effectRef>
+            <a:fontRef idx="minor">
+              <a:schemeClr val="tx1"/>
+            </a:fontRef>
+          </p:style>
+        </p:cxnSp>
+      </p:grpSp>
+    </p:spTree>
+    <p:extLst>
+      <p:ext uri="{BB962C8B-B14F-4D97-AF65-F5344CB8AC3E}">
+        <p14:creationId xmlns:p14="http://schemas.microsoft.com/office/powerpoint/2010/main" val="4291550810"/>
+      </p:ext>
+    </p:extLst>
+  </p:cSld>
+  <p:clrMapOvr>
+    <a:masterClrMapping/>
+  </p:clrMapOvr>
+</p:sld>
+</file>
+
 <file path=ppt/theme/theme1.xml><?xml version="1.0" encoding="utf-8"?>
 <a:theme xmlns:a="http://schemas.openxmlformats.org/drawingml/2006/main" name="Office 主题​​">
   <a:themeElements>
